--- a/Module_2/presentations/module_2_presentation.pptx
+++ b/Module_2/presentations/module_2_presentation.pptx
@@ -54,16 +54,16 @@
     <p:sldId id="524" r:id="rId45"/>
     <p:sldId id="525" r:id="rId46"/>
     <p:sldId id="526" r:id="rId47"/>
-    <p:sldId id="528" r:id="rId48"/>
-    <p:sldId id="529" r:id="rId49"/>
-    <p:sldId id="530" r:id="rId50"/>
-    <p:sldId id="531" r:id="rId51"/>
-    <p:sldId id="527" r:id="rId52"/>
-    <p:sldId id="532" r:id="rId53"/>
-    <p:sldId id="533" r:id="rId54"/>
-    <p:sldId id="534" r:id="rId55"/>
-    <p:sldId id="535" r:id="rId56"/>
-    <p:sldId id="536" r:id="rId57"/>
+    <p:sldId id="529" r:id="rId48"/>
+    <p:sldId id="530" r:id="rId49"/>
+    <p:sldId id="531" r:id="rId50"/>
+    <p:sldId id="527" r:id="rId51"/>
+    <p:sldId id="532" r:id="rId52"/>
+    <p:sldId id="533" r:id="rId53"/>
+    <p:sldId id="534" r:id="rId54"/>
+    <p:sldId id="535" r:id="rId55"/>
+    <p:sldId id="536" r:id="rId56"/>
+    <p:sldId id="537" r:id="rId57"/>
     <p:sldId id="489" r:id="rId58"/>
   </p:sldIdLst>
   <p:sldSz cx="9144000" cy="6858000" type="screen4x3"/>
@@ -19145,145 +19145,6 @@
           <p:cNvPr id="2" name="Title 1">
             <a:extLst>
               <a:ext uri="{FF2B5EF4-FFF2-40B4-BE49-F238E27FC236}">
-                <a16:creationId xmlns:a16="http://schemas.microsoft.com/office/drawing/2014/main" id="{9A9C5AAE-FF27-0A4F-BE73-02B3F4FE1C84}"/>
-              </a:ext>
-            </a:extLst>
-          </p:cNvPr>
-          <p:cNvSpPr>
-            <a:spLocks noGrp="1"/>
-          </p:cNvSpPr>
-          <p:nvPr>
-            <p:ph type="title"/>
-          </p:nvPr>
-        </p:nvSpPr>
-        <p:spPr/>
-        <p:txBody>
-          <a:bodyPr/>
-          <a:lstStyle/>
-          <a:p>
-            <a:r>
-              <a:rPr lang="en-US" dirty="0"/>
-              <a:t>Go Structs (continued some more)</a:t>
-            </a:r>
-          </a:p>
-        </p:txBody>
-      </p:sp>
-      <p:sp>
-        <p:nvSpPr>
-          <p:cNvPr id="3" name="Text Placeholder 2">
-            <a:extLst>
-              <a:ext uri="{FF2B5EF4-FFF2-40B4-BE49-F238E27FC236}">
-                <a16:creationId xmlns:a16="http://schemas.microsoft.com/office/drawing/2014/main" id="{B811DF19-814D-2B4B-98DE-8FA8E1974F15}"/>
-              </a:ext>
-            </a:extLst>
-          </p:cNvPr>
-          <p:cNvSpPr>
-            <a:spLocks noGrp="1"/>
-          </p:cNvSpPr>
-          <p:nvPr>
-            <p:ph type="body" idx="1"/>
-          </p:nvPr>
-        </p:nvSpPr>
-        <p:spPr/>
-        <p:txBody>
-          <a:bodyPr/>
-          <a:lstStyle/>
-          <a:p>
-            <a:r>
-              <a:rPr lang="en-US" dirty="0"/>
-              <a:t> So you might be thinking “Yeah- well if structs are basically OBJECTS- how do I run FUNCTIONS against them?!?”</a:t>
-            </a:r>
-          </a:p>
-          <a:p>
-            <a:r>
-              <a:rPr lang="en-US" dirty="0"/>
-              <a:t> Glad you asked! Let’s take a quick look at how to reference a struct!</a:t>
-            </a:r>
-          </a:p>
-        </p:txBody>
-      </p:sp>
-      <p:pic>
-        <p:nvPicPr>
-          <p:cNvPr id="7170" name="Picture 2" descr="Image result for golang gopher">
-            <a:extLst>
-              <a:ext uri="{FF2B5EF4-FFF2-40B4-BE49-F238E27FC236}">
-                <a16:creationId xmlns:a16="http://schemas.microsoft.com/office/drawing/2014/main" id="{3FEC9AD2-E22D-3F41-99EC-240A91B07651}"/>
-              </a:ext>
-            </a:extLst>
-          </p:cNvPr>
-          <p:cNvPicPr>
-            <a:picLocks noChangeAspect="1" noChangeArrowheads="1"/>
-          </p:cNvPicPr>
-          <p:nvPr/>
-        </p:nvPicPr>
-        <p:blipFill>
-          <a:blip r:embed="rId2">
-            <a:extLst>
-              <a:ext uri="{28A0092B-C50C-407E-A947-70E740481C1C}">
-                <a14:useLocalDpi xmlns:a14="http://schemas.microsoft.com/office/drawing/2010/main" val="0"/>
-              </a:ext>
-            </a:extLst>
-          </a:blip>
-          <a:srcRect/>
-          <a:stretch>
-            <a:fillRect/>
-          </a:stretch>
-        </p:blipFill>
-        <p:spPr bwMode="auto">
-          <a:xfrm>
-            <a:off x="2979328" y="3754224"/>
-            <a:ext cx="2959100" cy="2743200"/>
-          </a:xfrm>
-          <a:prstGeom prst="rect">
-            <a:avLst/>
-          </a:prstGeom>
-          <a:noFill/>
-          <a:extLst>
-            <a:ext uri="{909E8E84-426E-40DD-AFC4-6F175D3DCCD1}">
-              <a14:hiddenFill xmlns:a14="http://schemas.microsoft.com/office/drawing/2010/main">
-                <a:solidFill>
-                  <a:srgbClr val="FFFFFF"/>
-                </a:solidFill>
-              </a14:hiddenFill>
-            </a:ext>
-          </a:extLst>
-        </p:spPr>
-      </p:pic>
-    </p:spTree>
-    <p:extLst>
-      <p:ext uri="{BB962C8B-B14F-4D97-AF65-F5344CB8AC3E}">
-        <p14:creationId xmlns:p14="http://schemas.microsoft.com/office/powerpoint/2010/main" val="1138603081"/>
-      </p:ext>
-    </p:extLst>
-  </p:cSld>
-  <p:clrMapOvr>
-    <a:masterClrMapping/>
-  </p:clrMapOvr>
-</p:sld>
-</file>
-
-<file path=ppt/slides/slide48.xml><?xml version="1.0" encoding="utf-8"?>
-<p:sld xmlns:a="http://schemas.openxmlformats.org/drawingml/2006/main" xmlns:r="http://schemas.openxmlformats.org/officeDocument/2006/relationships" xmlns:p="http://schemas.openxmlformats.org/presentationml/2006/main">
-  <p:cSld>
-    <p:spTree>
-      <p:nvGrpSpPr>
-        <p:cNvPr id="1" name=""/>
-        <p:cNvGrpSpPr/>
-        <p:nvPr/>
-      </p:nvGrpSpPr>
-      <p:grpSpPr>
-        <a:xfrm>
-          <a:off x="0" y="0"/>
-          <a:ext cx="0" cy="0"/>
-          <a:chOff x="0" y="0"/>
-          <a:chExt cx="0" cy="0"/>
-        </a:xfrm>
-      </p:grpSpPr>
-      <p:sp>
-        <p:nvSpPr>
-          <p:cNvPr id="2" name="Title 1">
-            <a:extLst>
-              <a:ext uri="{FF2B5EF4-FFF2-40B4-BE49-F238E27FC236}">
                 <a16:creationId xmlns:a16="http://schemas.microsoft.com/office/drawing/2014/main" id="{3D44C771-577D-4E47-9637-6A35C6A119FB}"/>
               </a:ext>
             </a:extLst>
@@ -19657,7 +19518,7 @@
 </p:sld>
 </file>
 
-<file path=ppt/slides/slide49.xml><?xml version="1.0" encoding="utf-8"?>
+<file path=ppt/slides/slide48.xml><?xml version="1.0" encoding="utf-8"?>
 <p:sld xmlns:a="http://schemas.openxmlformats.org/drawingml/2006/main" xmlns:r="http://schemas.openxmlformats.org/officeDocument/2006/relationships" xmlns:p="http://schemas.openxmlformats.org/presentationml/2006/main">
   <p:cSld>
     <p:spTree>
@@ -20039,6 +19900,162 @@
     <p:extLst>
       <p:ext uri="{BB962C8B-B14F-4D97-AF65-F5344CB8AC3E}">
         <p14:creationId xmlns:p14="http://schemas.microsoft.com/office/powerpoint/2010/main" val="4153244075"/>
+      </p:ext>
+    </p:extLst>
+  </p:cSld>
+  <p:clrMapOvr>
+    <a:masterClrMapping/>
+  </p:clrMapOvr>
+</p:sld>
+</file>
+
+<file path=ppt/slides/slide49.xml><?xml version="1.0" encoding="utf-8"?>
+<p:sld xmlns:a="http://schemas.openxmlformats.org/drawingml/2006/main" xmlns:r="http://schemas.openxmlformats.org/officeDocument/2006/relationships" xmlns:p="http://schemas.openxmlformats.org/presentationml/2006/main">
+  <p:cSld>
+    <p:spTree>
+      <p:nvGrpSpPr>
+        <p:cNvPr id="1" name=""/>
+        <p:cNvGrpSpPr/>
+        <p:nvPr/>
+      </p:nvGrpSpPr>
+      <p:grpSpPr>
+        <a:xfrm>
+          <a:off x="0" y="0"/>
+          <a:ext cx="0" cy="0"/>
+          <a:chOff x="0" y="0"/>
+          <a:chExt cx="0" cy="0"/>
+        </a:xfrm>
+      </p:grpSpPr>
+      <p:sp>
+        <p:nvSpPr>
+          <p:cNvPr id="2" name="Title 1">
+            <a:extLst>
+              <a:ext uri="{FF2B5EF4-FFF2-40B4-BE49-F238E27FC236}">
+                <a16:creationId xmlns:a16="http://schemas.microsoft.com/office/drawing/2014/main" id="{DF383B22-1FBF-1545-9CB1-7A87EEC6DF68}"/>
+              </a:ext>
+            </a:extLst>
+          </p:cNvPr>
+          <p:cNvSpPr>
+            <a:spLocks noGrp="1"/>
+          </p:cNvSpPr>
+          <p:nvPr>
+            <p:ph type="title"/>
+          </p:nvPr>
+        </p:nvSpPr>
+        <p:spPr/>
+        <p:txBody>
+          <a:bodyPr/>
+          <a:lstStyle/>
+          <a:p>
+            <a:r>
+              <a:rPr lang="en-US" dirty="0"/>
+              <a:t>Structs and functions</a:t>
+            </a:r>
+          </a:p>
+        </p:txBody>
+      </p:sp>
+      <p:sp>
+        <p:nvSpPr>
+          <p:cNvPr id="3" name="Text Placeholder 2">
+            <a:extLst>
+              <a:ext uri="{FF2B5EF4-FFF2-40B4-BE49-F238E27FC236}">
+                <a16:creationId xmlns:a16="http://schemas.microsoft.com/office/drawing/2014/main" id="{6726EF7F-6539-C844-A3A1-167916391BB1}"/>
+              </a:ext>
+            </a:extLst>
+          </p:cNvPr>
+          <p:cNvSpPr>
+            <a:spLocks noGrp="1"/>
+          </p:cNvSpPr>
+          <p:nvPr>
+            <p:ph type="body" idx="1"/>
+          </p:nvPr>
+        </p:nvSpPr>
+        <p:spPr/>
+        <p:txBody>
+          <a:bodyPr/>
+          <a:lstStyle/>
+          <a:p>
+            <a:r>
+              <a:rPr lang="en-US" dirty="0"/>
+              <a:t>So as you can see- we altered the function method and we are pointing back at our struct as the </a:t>
+            </a:r>
+            <a:r>
+              <a:rPr lang="en-US" b="1" dirty="0"/>
+              <a:t>receiver</a:t>
+            </a:r>
+            <a:r>
+              <a:rPr lang="en-US" dirty="0"/>
+              <a:t> of the output of the function. </a:t>
+            </a:r>
+          </a:p>
+          <a:p>
+            <a:r>
+              <a:rPr lang="en-US" dirty="0"/>
+              <a:t>You then call the function the same way you would normally (in most languages) call a function within the object- with </a:t>
+            </a:r>
+            <a:r>
+              <a:rPr lang="en-US" b="1" dirty="0" err="1"/>
+              <a:t>structName.functionName</a:t>
+            </a:r>
+            <a:r>
+              <a:rPr lang="en-US" b="1" dirty="0"/>
+              <a:t>()</a:t>
+            </a:r>
+            <a:endParaRPr lang="en-US" dirty="0"/>
+          </a:p>
+        </p:txBody>
+      </p:sp>
+      <p:pic>
+        <p:nvPicPr>
+          <p:cNvPr id="10242" name="Picture 2" descr="Image result for golang gopher">
+            <a:extLst>
+              <a:ext uri="{FF2B5EF4-FFF2-40B4-BE49-F238E27FC236}">
+                <a16:creationId xmlns:a16="http://schemas.microsoft.com/office/drawing/2014/main" id="{C26AFA25-03D2-7644-9D07-F355C0EE7B79}"/>
+              </a:ext>
+            </a:extLst>
+          </p:cNvPr>
+          <p:cNvPicPr>
+            <a:picLocks noChangeAspect="1" noChangeArrowheads="1"/>
+          </p:cNvPicPr>
+          <p:nvPr/>
+        </p:nvPicPr>
+        <p:blipFill>
+          <a:blip r:embed="rId2">
+            <a:extLst>
+              <a:ext uri="{28A0092B-C50C-407E-A947-70E740481C1C}">
+                <a14:useLocalDpi xmlns:a14="http://schemas.microsoft.com/office/drawing/2010/main" val="0"/>
+              </a:ext>
+            </a:extLst>
+          </a:blip>
+          <a:srcRect/>
+          <a:stretch>
+            <a:fillRect/>
+          </a:stretch>
+        </p:blipFill>
+        <p:spPr bwMode="auto">
+          <a:xfrm>
+            <a:off x="2560229" y="4267199"/>
+            <a:ext cx="3797300" cy="2133600"/>
+          </a:xfrm>
+          <a:prstGeom prst="rect">
+            <a:avLst/>
+          </a:prstGeom>
+          <a:noFill/>
+          <a:extLst>
+            <a:ext uri="{909E8E84-426E-40DD-AFC4-6F175D3DCCD1}">
+              <a14:hiddenFill xmlns:a14="http://schemas.microsoft.com/office/drawing/2010/main">
+                <a:solidFill>
+                  <a:srgbClr val="FFFFFF"/>
+                </a:solidFill>
+              </a14:hiddenFill>
+            </a:ext>
+          </a:extLst>
+        </p:spPr>
+      </p:pic>
+    </p:spTree>
+    <p:extLst>
+      <p:ext uri="{BB962C8B-B14F-4D97-AF65-F5344CB8AC3E}">
+        <p14:creationId xmlns:p14="http://schemas.microsoft.com/office/powerpoint/2010/main" val="3190768411"/>
       </p:ext>
     </p:extLst>
   </p:cSld>
@@ -20410,162 +20427,6 @@
           <p:cNvPr id="2" name="Title 1">
             <a:extLst>
               <a:ext uri="{FF2B5EF4-FFF2-40B4-BE49-F238E27FC236}">
-                <a16:creationId xmlns:a16="http://schemas.microsoft.com/office/drawing/2014/main" id="{DF383B22-1FBF-1545-9CB1-7A87EEC6DF68}"/>
-              </a:ext>
-            </a:extLst>
-          </p:cNvPr>
-          <p:cNvSpPr>
-            <a:spLocks noGrp="1"/>
-          </p:cNvSpPr>
-          <p:nvPr>
-            <p:ph type="title"/>
-          </p:nvPr>
-        </p:nvSpPr>
-        <p:spPr/>
-        <p:txBody>
-          <a:bodyPr/>
-          <a:lstStyle/>
-          <a:p>
-            <a:r>
-              <a:rPr lang="en-US" dirty="0"/>
-              <a:t>Structs and functions</a:t>
-            </a:r>
-          </a:p>
-        </p:txBody>
-      </p:sp>
-      <p:sp>
-        <p:nvSpPr>
-          <p:cNvPr id="3" name="Text Placeholder 2">
-            <a:extLst>
-              <a:ext uri="{FF2B5EF4-FFF2-40B4-BE49-F238E27FC236}">
-                <a16:creationId xmlns:a16="http://schemas.microsoft.com/office/drawing/2014/main" id="{6726EF7F-6539-C844-A3A1-167916391BB1}"/>
-              </a:ext>
-            </a:extLst>
-          </p:cNvPr>
-          <p:cNvSpPr>
-            <a:spLocks noGrp="1"/>
-          </p:cNvSpPr>
-          <p:nvPr>
-            <p:ph type="body" idx="1"/>
-          </p:nvPr>
-        </p:nvSpPr>
-        <p:spPr/>
-        <p:txBody>
-          <a:bodyPr/>
-          <a:lstStyle/>
-          <a:p>
-            <a:r>
-              <a:rPr lang="en-US" dirty="0"/>
-              <a:t>So as you can see- we altered the function method and we are pointing back at our struct as the </a:t>
-            </a:r>
-            <a:r>
-              <a:rPr lang="en-US" b="1" dirty="0"/>
-              <a:t>receiver</a:t>
-            </a:r>
-            <a:r>
-              <a:rPr lang="en-US" dirty="0"/>
-              <a:t> of the output of the function. </a:t>
-            </a:r>
-          </a:p>
-          <a:p>
-            <a:r>
-              <a:rPr lang="en-US" dirty="0"/>
-              <a:t>You then call the function the same way you would normally (in most languages) call a function within the object- with </a:t>
-            </a:r>
-            <a:r>
-              <a:rPr lang="en-US" b="1" dirty="0" err="1"/>
-              <a:t>structName.functionName</a:t>
-            </a:r>
-            <a:r>
-              <a:rPr lang="en-US" b="1" dirty="0"/>
-              <a:t>()</a:t>
-            </a:r>
-            <a:endParaRPr lang="en-US" dirty="0"/>
-          </a:p>
-        </p:txBody>
-      </p:sp>
-      <p:pic>
-        <p:nvPicPr>
-          <p:cNvPr id="10242" name="Picture 2" descr="Image result for golang gopher">
-            <a:extLst>
-              <a:ext uri="{FF2B5EF4-FFF2-40B4-BE49-F238E27FC236}">
-                <a16:creationId xmlns:a16="http://schemas.microsoft.com/office/drawing/2014/main" id="{C26AFA25-03D2-7644-9D07-F355C0EE7B79}"/>
-              </a:ext>
-            </a:extLst>
-          </p:cNvPr>
-          <p:cNvPicPr>
-            <a:picLocks noChangeAspect="1" noChangeArrowheads="1"/>
-          </p:cNvPicPr>
-          <p:nvPr/>
-        </p:nvPicPr>
-        <p:blipFill>
-          <a:blip r:embed="rId2">
-            <a:extLst>
-              <a:ext uri="{28A0092B-C50C-407E-A947-70E740481C1C}">
-                <a14:useLocalDpi xmlns:a14="http://schemas.microsoft.com/office/drawing/2010/main" val="0"/>
-              </a:ext>
-            </a:extLst>
-          </a:blip>
-          <a:srcRect/>
-          <a:stretch>
-            <a:fillRect/>
-          </a:stretch>
-        </p:blipFill>
-        <p:spPr bwMode="auto">
-          <a:xfrm>
-            <a:off x="2560229" y="4267199"/>
-            <a:ext cx="3797300" cy="2133600"/>
-          </a:xfrm>
-          <a:prstGeom prst="rect">
-            <a:avLst/>
-          </a:prstGeom>
-          <a:noFill/>
-          <a:extLst>
-            <a:ext uri="{909E8E84-426E-40DD-AFC4-6F175D3DCCD1}">
-              <a14:hiddenFill xmlns:a14="http://schemas.microsoft.com/office/drawing/2010/main">
-                <a:solidFill>
-                  <a:srgbClr val="FFFFFF"/>
-                </a:solidFill>
-              </a14:hiddenFill>
-            </a:ext>
-          </a:extLst>
-        </p:spPr>
-      </p:pic>
-    </p:spTree>
-    <p:extLst>
-      <p:ext uri="{BB962C8B-B14F-4D97-AF65-F5344CB8AC3E}">
-        <p14:creationId xmlns:p14="http://schemas.microsoft.com/office/powerpoint/2010/main" val="3190768411"/>
-      </p:ext>
-    </p:extLst>
-  </p:cSld>
-  <p:clrMapOvr>
-    <a:masterClrMapping/>
-  </p:clrMapOvr>
-</p:sld>
-</file>
-
-<file path=ppt/slides/slide51.xml><?xml version="1.0" encoding="utf-8"?>
-<p:sld xmlns:a="http://schemas.openxmlformats.org/drawingml/2006/main" xmlns:r="http://schemas.openxmlformats.org/officeDocument/2006/relationships" xmlns:p="http://schemas.openxmlformats.org/presentationml/2006/main">
-  <p:cSld>
-    <p:spTree>
-      <p:nvGrpSpPr>
-        <p:cNvPr id="1" name=""/>
-        <p:cNvGrpSpPr/>
-        <p:nvPr/>
-      </p:nvGrpSpPr>
-      <p:grpSpPr>
-        <a:xfrm>
-          <a:off x="0" y="0"/>
-          <a:ext cx="0" cy="0"/>
-          <a:chOff x="0" y="0"/>
-          <a:chExt cx="0" cy="0"/>
-        </a:xfrm>
-      </p:grpSpPr>
-      <p:sp>
-        <p:nvSpPr>
-          <p:cNvPr id="2" name="Title 1">
-            <a:extLst>
-              <a:ext uri="{FF2B5EF4-FFF2-40B4-BE49-F238E27FC236}">
                 <a16:creationId xmlns:a16="http://schemas.microsoft.com/office/drawing/2014/main" id="{2F6A0346-CF4A-B843-883D-FFB45B50FD75}"/>
               </a:ext>
             </a:extLst>
@@ -20721,7 +20582,7 @@
 </p:sld>
 </file>
 
-<file path=ppt/slides/slide52.xml><?xml version="1.0" encoding="utf-8"?>
+<file path=ppt/slides/slide51.xml><?xml version="1.0" encoding="utf-8"?>
 <p:sld xmlns:a="http://schemas.openxmlformats.org/drawingml/2006/main" xmlns:r="http://schemas.openxmlformats.org/officeDocument/2006/relationships" xmlns:p="http://schemas.openxmlformats.org/presentationml/2006/main">
   <p:cSld>
     <p:spTree>
@@ -20960,7 +20821,7 @@
 </p:sld>
 </file>
 
-<file path=ppt/slides/slide53.xml><?xml version="1.0" encoding="utf-8"?>
+<file path=ppt/slides/slide52.xml><?xml version="1.0" encoding="utf-8"?>
 <p:sld xmlns:a="http://schemas.openxmlformats.org/drawingml/2006/main" xmlns:r="http://schemas.openxmlformats.org/officeDocument/2006/relationships" xmlns:p="http://schemas.openxmlformats.org/presentationml/2006/main">
   <p:cSld>
     <p:spTree>
@@ -21126,7 +20987,7 @@
 </p:sld>
 </file>
 
-<file path=ppt/slides/slide54.xml><?xml version="1.0" encoding="utf-8"?>
+<file path=ppt/slides/slide53.xml><?xml version="1.0" encoding="utf-8"?>
 <p:sld xmlns:a="http://schemas.openxmlformats.org/drawingml/2006/main" xmlns:r="http://schemas.openxmlformats.org/officeDocument/2006/relationships" xmlns:p="http://schemas.openxmlformats.org/presentationml/2006/main">
   <p:cSld>
     <p:spTree>
@@ -21284,7 +21145,7 @@
 </p:sld>
 </file>
 
-<file path=ppt/slides/slide55.xml><?xml version="1.0" encoding="utf-8"?>
+<file path=ppt/slides/slide54.xml><?xml version="1.0" encoding="utf-8"?>
 <p:sld xmlns:a="http://schemas.openxmlformats.org/drawingml/2006/main" xmlns:r="http://schemas.openxmlformats.org/officeDocument/2006/relationships" xmlns:p="http://schemas.openxmlformats.org/presentationml/2006/main">
   <p:cSld>
     <p:spTree>
@@ -21439,7 +21300,7 @@
 </p:sld>
 </file>
 
-<file path=ppt/slides/slide56.xml><?xml version="1.0" encoding="utf-8"?>
+<file path=ppt/slides/slide55.xml><?xml version="1.0" encoding="utf-8"?>
 <p:sld xmlns:a="http://schemas.openxmlformats.org/drawingml/2006/main" xmlns:r="http://schemas.openxmlformats.org/officeDocument/2006/relationships" xmlns:p="http://schemas.openxmlformats.org/presentationml/2006/main">
   <p:cSld>
     <p:spTree>
@@ -21585,6 +21446,153 @@
     <p:extLst>
       <p:ext uri="{BB962C8B-B14F-4D97-AF65-F5344CB8AC3E}">
         <p14:creationId xmlns:p14="http://schemas.microsoft.com/office/powerpoint/2010/main" val="1830205327"/>
+      </p:ext>
+    </p:extLst>
+  </p:cSld>
+  <p:clrMapOvr>
+    <a:masterClrMapping/>
+  </p:clrMapOvr>
+</p:sld>
+</file>
+
+<file path=ppt/slides/slide56.xml><?xml version="1.0" encoding="utf-8"?>
+<p:sld xmlns:a="http://schemas.openxmlformats.org/drawingml/2006/main" xmlns:r="http://schemas.openxmlformats.org/officeDocument/2006/relationships" xmlns:p="http://schemas.openxmlformats.org/presentationml/2006/main">
+  <p:cSld>
+    <p:spTree>
+      <p:nvGrpSpPr>
+        <p:cNvPr id="1" name=""/>
+        <p:cNvGrpSpPr/>
+        <p:nvPr/>
+      </p:nvGrpSpPr>
+      <p:grpSpPr>
+        <a:xfrm>
+          <a:off x="0" y="0"/>
+          <a:ext cx="0" cy="0"/>
+          <a:chOff x="0" y="0"/>
+          <a:chExt cx="0" cy="0"/>
+        </a:xfrm>
+      </p:grpSpPr>
+      <p:sp>
+        <p:nvSpPr>
+          <p:cNvPr id="2" name="Title 1">
+            <a:extLst>
+              <a:ext uri="{FF2B5EF4-FFF2-40B4-BE49-F238E27FC236}">
+                <a16:creationId xmlns:a16="http://schemas.microsoft.com/office/drawing/2014/main" id="{C1A40CC7-A7D1-D140-A656-A637A8D27C80}"/>
+              </a:ext>
+            </a:extLst>
+          </p:cNvPr>
+          <p:cNvSpPr>
+            <a:spLocks noGrp="1"/>
+          </p:cNvSpPr>
+          <p:nvPr>
+            <p:ph type="title"/>
+          </p:nvPr>
+        </p:nvSpPr>
+        <p:spPr/>
+        <p:txBody>
+          <a:bodyPr/>
+          <a:lstStyle/>
+          <a:p>
+            <a:r>
+              <a:rPr lang="en-US" dirty="0"/>
+              <a:t>Interface Type assertions</a:t>
+            </a:r>
+          </a:p>
+        </p:txBody>
+      </p:sp>
+      <p:sp>
+        <p:nvSpPr>
+          <p:cNvPr id="3" name="Text Placeholder 2">
+            <a:extLst>
+              <a:ext uri="{FF2B5EF4-FFF2-40B4-BE49-F238E27FC236}">
+                <a16:creationId xmlns:a16="http://schemas.microsoft.com/office/drawing/2014/main" id="{618263CB-2213-054B-BA1A-4FBE06B3C96F}"/>
+              </a:ext>
+            </a:extLst>
+          </p:cNvPr>
+          <p:cNvSpPr>
+            <a:spLocks noGrp="1"/>
+          </p:cNvSpPr>
+          <p:nvPr>
+            <p:ph type="body" idx="1"/>
+          </p:nvPr>
+        </p:nvSpPr>
+        <p:spPr/>
+        <p:txBody>
+          <a:bodyPr/>
+          <a:lstStyle/>
+          <a:p>
+            <a:r>
+              <a:rPr lang="en-US" dirty="0"/>
+              <a:t> A </a:t>
+            </a:r>
+            <a:r>
+              <a:rPr lang="en-US" i="1" dirty="0"/>
+              <a:t>type assertion</a:t>
+            </a:r>
+            <a:r>
+              <a:rPr lang="en-US" dirty="0"/>
+              <a:t> provides access to an interface value's underlying concrete value.</a:t>
+            </a:r>
+          </a:p>
+          <a:p>
+            <a:r>
+              <a:rPr lang="en-US" dirty="0"/>
+              <a:t> So you can easily take an interface {} with various values and assert them as strings (check out the lab). </a:t>
+            </a:r>
+          </a:p>
+        </p:txBody>
+      </p:sp>
+      <p:pic>
+        <p:nvPicPr>
+          <p:cNvPr id="1026" name="Picture 2" descr="Image result for go gopher">
+            <a:extLst>
+              <a:ext uri="{FF2B5EF4-FFF2-40B4-BE49-F238E27FC236}">
+                <a16:creationId xmlns:a16="http://schemas.microsoft.com/office/drawing/2014/main" id="{EEF60A29-6E7B-CE40-A30C-E85512EC2265}"/>
+              </a:ext>
+            </a:extLst>
+          </p:cNvPr>
+          <p:cNvPicPr>
+            <a:picLocks noChangeAspect="1" noChangeArrowheads="1"/>
+          </p:cNvPicPr>
+          <p:nvPr/>
+        </p:nvPicPr>
+        <p:blipFill>
+          <a:blip r:embed="rId2">
+            <a:extLst>
+              <a:ext uri="{28A0092B-C50C-407E-A947-70E740481C1C}">
+                <a14:useLocalDpi xmlns:a14="http://schemas.microsoft.com/office/drawing/2010/main" val="0"/>
+              </a:ext>
+            </a:extLst>
+          </a:blip>
+          <a:srcRect/>
+          <a:stretch>
+            <a:fillRect/>
+          </a:stretch>
+        </p:blipFill>
+        <p:spPr bwMode="auto">
+          <a:xfrm>
+            <a:off x="2326129" y="3596129"/>
+            <a:ext cx="3492500" cy="2324100"/>
+          </a:xfrm>
+          <a:prstGeom prst="rect">
+            <a:avLst/>
+          </a:prstGeom>
+          <a:noFill/>
+          <a:extLst>
+            <a:ext uri="{909E8E84-426E-40DD-AFC4-6F175D3DCCD1}">
+              <a14:hiddenFill xmlns:a14="http://schemas.microsoft.com/office/drawing/2010/main">
+                <a:solidFill>
+                  <a:srgbClr val="FFFFFF"/>
+                </a:solidFill>
+              </a14:hiddenFill>
+            </a:ext>
+          </a:extLst>
+        </p:spPr>
+      </p:pic>
+    </p:spTree>
+    <p:extLst>
+      <p:ext uri="{BB962C8B-B14F-4D97-AF65-F5344CB8AC3E}">
+        <p14:creationId xmlns:p14="http://schemas.microsoft.com/office/powerpoint/2010/main" val="2915404208"/>
       </p:ext>
     </p:extLst>
   </p:cSld>

--- a/Module_2/presentations/module_2_presentation.pptx
+++ b/Module_2/presentations/module_2_presentation.pptx
@@ -5,7 +5,7 @@
     <p:sldMasterId id="2147483655" r:id="rId1"/>
   </p:sldMasterIdLst>
   <p:notesMasterIdLst>
-    <p:notesMasterId r:id="rId59"/>
+    <p:notesMasterId r:id="rId60"/>
   </p:notesMasterIdLst>
   <p:sldIdLst>
     <p:sldId id="256" r:id="rId2"/>
@@ -25,46 +25,47 @@
     <p:sldId id="496" r:id="rId16"/>
     <p:sldId id="497" r:id="rId17"/>
     <p:sldId id="460" r:id="rId18"/>
-    <p:sldId id="451" r:id="rId19"/>
-    <p:sldId id="499" r:id="rId20"/>
-    <p:sldId id="500" r:id="rId21"/>
-    <p:sldId id="502" r:id="rId22"/>
-    <p:sldId id="501" r:id="rId23"/>
-    <p:sldId id="503" r:id="rId24"/>
-    <p:sldId id="504" r:id="rId25"/>
-    <p:sldId id="505" r:id="rId26"/>
-    <p:sldId id="506" r:id="rId27"/>
-    <p:sldId id="507" r:id="rId28"/>
-    <p:sldId id="509" r:id="rId29"/>
-    <p:sldId id="510" r:id="rId30"/>
-    <p:sldId id="511" r:id="rId31"/>
-    <p:sldId id="515" r:id="rId32"/>
-    <p:sldId id="508" r:id="rId33"/>
-    <p:sldId id="513" r:id="rId34"/>
-    <p:sldId id="512" r:id="rId35"/>
-    <p:sldId id="514" r:id="rId36"/>
-    <p:sldId id="516" r:id="rId37"/>
-    <p:sldId id="517" r:id="rId38"/>
-    <p:sldId id="518" r:id="rId39"/>
-    <p:sldId id="519" r:id="rId40"/>
-    <p:sldId id="520" r:id="rId41"/>
-    <p:sldId id="521" r:id="rId42"/>
-    <p:sldId id="522" r:id="rId43"/>
-    <p:sldId id="523" r:id="rId44"/>
-    <p:sldId id="524" r:id="rId45"/>
-    <p:sldId id="525" r:id="rId46"/>
-    <p:sldId id="526" r:id="rId47"/>
-    <p:sldId id="529" r:id="rId48"/>
-    <p:sldId id="530" r:id="rId49"/>
-    <p:sldId id="531" r:id="rId50"/>
-    <p:sldId id="527" r:id="rId51"/>
-    <p:sldId id="532" r:id="rId52"/>
-    <p:sldId id="533" r:id="rId53"/>
-    <p:sldId id="534" r:id="rId54"/>
-    <p:sldId id="535" r:id="rId55"/>
-    <p:sldId id="536" r:id="rId56"/>
-    <p:sldId id="537" r:id="rId57"/>
-    <p:sldId id="489" r:id="rId58"/>
+    <p:sldId id="538" r:id="rId19"/>
+    <p:sldId id="451" r:id="rId20"/>
+    <p:sldId id="499" r:id="rId21"/>
+    <p:sldId id="500" r:id="rId22"/>
+    <p:sldId id="502" r:id="rId23"/>
+    <p:sldId id="501" r:id="rId24"/>
+    <p:sldId id="503" r:id="rId25"/>
+    <p:sldId id="504" r:id="rId26"/>
+    <p:sldId id="505" r:id="rId27"/>
+    <p:sldId id="506" r:id="rId28"/>
+    <p:sldId id="507" r:id="rId29"/>
+    <p:sldId id="509" r:id="rId30"/>
+    <p:sldId id="510" r:id="rId31"/>
+    <p:sldId id="511" r:id="rId32"/>
+    <p:sldId id="515" r:id="rId33"/>
+    <p:sldId id="508" r:id="rId34"/>
+    <p:sldId id="513" r:id="rId35"/>
+    <p:sldId id="512" r:id="rId36"/>
+    <p:sldId id="514" r:id="rId37"/>
+    <p:sldId id="516" r:id="rId38"/>
+    <p:sldId id="517" r:id="rId39"/>
+    <p:sldId id="518" r:id="rId40"/>
+    <p:sldId id="519" r:id="rId41"/>
+    <p:sldId id="520" r:id="rId42"/>
+    <p:sldId id="521" r:id="rId43"/>
+    <p:sldId id="522" r:id="rId44"/>
+    <p:sldId id="523" r:id="rId45"/>
+    <p:sldId id="524" r:id="rId46"/>
+    <p:sldId id="525" r:id="rId47"/>
+    <p:sldId id="526" r:id="rId48"/>
+    <p:sldId id="529" r:id="rId49"/>
+    <p:sldId id="530" r:id="rId50"/>
+    <p:sldId id="531" r:id="rId51"/>
+    <p:sldId id="527" r:id="rId52"/>
+    <p:sldId id="532" r:id="rId53"/>
+    <p:sldId id="533" r:id="rId54"/>
+    <p:sldId id="534" r:id="rId55"/>
+    <p:sldId id="535" r:id="rId56"/>
+    <p:sldId id="536" r:id="rId57"/>
+    <p:sldId id="537" r:id="rId58"/>
+    <p:sldId id="489" r:id="rId59"/>
   </p:sldIdLst>
   <p:sldSz cx="9144000" cy="6858000" type="screen4x3"/>
   <p:notesSz cx="6858000" cy="9144000"/>
@@ -2729,7 +2730,7 @@
             </a:pPr>
             <a:fld id="{00000000-1234-1234-1234-123412341234}" type="slidenum">
               <a:rPr lang="en-US"/>
-              <a:t>18</a:t>
+              <a:t>19</a:t>
             </a:fld>
             <a:endParaRPr lang="en-US"/>
           </a:p>
@@ -2890,7 +2891,7 @@
             </a:pPr>
             <a:fld id="{00000000-1234-1234-1234-123412341234}" type="slidenum">
               <a:rPr lang="en-US"/>
-              <a:t>19</a:t>
+              <a:t>20</a:t>
             </a:fld>
             <a:endParaRPr lang="en-US"/>
           </a:p>
@@ -3157,7 +3158,7 @@
             </a:pPr>
             <a:fld id="{00000000-1234-1234-1234-123412341234}" type="slidenum">
               <a:rPr lang="en-US"/>
-              <a:t>20</a:t>
+              <a:t>21</a:t>
             </a:fld>
             <a:endParaRPr lang="en-US"/>
           </a:p>
@@ -3318,7 +3319,7 @@
             </a:pPr>
             <a:fld id="{00000000-1234-1234-1234-123412341234}" type="slidenum">
               <a:rPr lang="en-US"/>
-              <a:t>21</a:t>
+              <a:t>22</a:t>
             </a:fld>
             <a:endParaRPr lang="en-US"/>
           </a:p>
@@ -3479,7 +3480,7 @@
             </a:pPr>
             <a:fld id="{00000000-1234-1234-1234-123412341234}" type="slidenum">
               <a:rPr lang="en-US"/>
-              <a:t>22</a:t>
+              <a:t>23</a:t>
             </a:fld>
             <a:endParaRPr lang="en-US"/>
           </a:p>
@@ -3640,7 +3641,7 @@
             </a:pPr>
             <a:fld id="{00000000-1234-1234-1234-123412341234}" type="slidenum">
               <a:rPr lang="en-US"/>
-              <a:t>23</a:t>
+              <a:t>24</a:t>
             </a:fld>
             <a:endParaRPr lang="en-US"/>
           </a:p>
@@ -3801,7 +3802,7 @@
             </a:pPr>
             <a:fld id="{00000000-1234-1234-1234-123412341234}" type="slidenum">
               <a:rPr lang="en-US"/>
-              <a:t>57</a:t>
+              <a:t>58</a:t>
             </a:fld>
             <a:endParaRPr lang="en-US"/>
           </a:p>
@@ -9281,7 +9282,7 @@
             </a:br>
             <a:r>
               <a:rPr lang="en-US" sz="3600" dirty="0"/>
-              <a:t>19 November – 21 November 2018</a:t>
+              <a:t>20 November – 22 November 2018</a:t>
             </a:r>
             <a:br>
               <a:rPr lang="en-US" sz="3600" dirty="0"/>
@@ -11602,7 +11603,7 @@
   <p:cSld>
     <p:spTree>
       <p:nvGrpSpPr>
-        <p:cNvPr id="1" name="Shape 113"/>
+        <p:cNvPr id="1" name=""/>
         <p:cNvGrpSpPr/>
         <p:nvPr/>
       </p:nvGrpSpPr>
@@ -11616,241 +11617,94 @@
       </p:grpSpPr>
       <p:sp>
         <p:nvSpPr>
-          <p:cNvPr id="114" name="Shape 114"/>
-          <p:cNvSpPr txBox="1">
+          <p:cNvPr id="2" name="Title 1">
+            <a:extLst>
+              <a:ext uri="{FF2B5EF4-FFF2-40B4-BE49-F238E27FC236}">
+                <a16:creationId xmlns:a16="http://schemas.microsoft.com/office/drawing/2014/main" id="{C29B6264-2A47-DE4B-9356-F23F8142FAFB}"/>
+              </a:ext>
+            </a:extLst>
+          </p:cNvPr>
+          <p:cNvSpPr>
             <a:spLocks noGrp="1"/>
           </p:cNvSpPr>
           <p:nvPr>
             <p:ph type="title"/>
           </p:nvPr>
         </p:nvSpPr>
-        <p:spPr>
-          <a:xfrm>
-            <a:off x="76200" y="152400"/>
-            <a:ext cx="8991600" cy="671400"/>
-          </a:xfrm>
-          <a:prstGeom prst="rect">
-            <a:avLst/>
-          </a:prstGeom>
-        </p:spPr>
+        <p:spPr/>
         <p:txBody>
-          <a:bodyPr lIns="91425" tIns="91425" rIns="91425" bIns="91425" anchor="ctr" anchorCtr="0">
-            <a:noAutofit/>
-          </a:bodyPr>
+          <a:bodyPr/>
           <a:lstStyle/>
           <a:p>
-            <a:pPr lvl="0">
-              <a:spcBef>
-                <a:spcPts val="0"/>
-              </a:spcBef>
-              <a:buNone/>
-            </a:pPr>
             <a:r>
               <a:rPr lang="en-US" dirty="0"/>
-              <a:t>Golang: Functions</a:t>
-            </a:r>
-            <a:endParaRPr dirty="0"/>
+              <a:t>The REFLECT package</a:t>
+            </a:r>
           </a:p>
         </p:txBody>
       </p:sp>
       <p:sp>
         <p:nvSpPr>
-          <p:cNvPr id="115" name="Shape 115"/>
-          <p:cNvSpPr txBox="1">
+          <p:cNvPr id="3" name="Text Placeholder 2">
+            <a:extLst>
+              <a:ext uri="{FF2B5EF4-FFF2-40B4-BE49-F238E27FC236}">
+                <a16:creationId xmlns:a16="http://schemas.microsoft.com/office/drawing/2014/main" id="{0C974486-377A-1A4E-B205-031A3618BF3C}"/>
+              </a:ext>
+            </a:extLst>
+          </p:cNvPr>
+          <p:cNvSpPr>
             <a:spLocks noGrp="1"/>
           </p:cNvSpPr>
           <p:nvPr>
             <p:ph type="body" idx="1"/>
           </p:nvPr>
         </p:nvSpPr>
-        <p:spPr>
-          <a:xfrm>
-            <a:off x="76200" y="1371600"/>
-            <a:ext cx="8991600" cy="5029199"/>
-          </a:xfrm>
-          <a:prstGeom prst="rect">
-            <a:avLst/>
-          </a:prstGeom>
-        </p:spPr>
+        <p:spPr/>
         <p:txBody>
-          <a:bodyPr lIns="91425" tIns="91425" rIns="91425" bIns="91425" anchor="t" anchorCtr="0">
-            <a:noAutofit/>
-          </a:bodyPr>
+          <a:bodyPr/>
           <a:lstStyle/>
           <a:p>
-            <a:pPr lvl="1">
-              <a:spcBef>
-                <a:spcPts val="0"/>
-              </a:spcBef>
-            </a:pPr>
-            <a:endParaRPr lang="en-US" dirty="0"/>
-          </a:p>
-          <a:p>
-            <a:pPr lvl="1">
-              <a:spcBef>
-                <a:spcPts val="0"/>
-              </a:spcBef>
-            </a:pPr>
             <a:r>
               <a:rPr lang="en-US" dirty="0"/>
-              <a:t> Functions in Go take ZERO or more arguments. </a:t>
-            </a:r>
-          </a:p>
-          <a:p>
-            <a:pPr lvl="1">
-              <a:spcBef>
-                <a:spcPts val="0"/>
-              </a:spcBef>
-            </a:pPr>
+              <a:t> Before we continue on it’s worth going into the REFLECT package a bit since every go program that I have ever written (or seen) that is more than 100 lines usually needs to use REFLECTION. </a:t>
+            </a:r>
+          </a:p>
+          <a:p>
             <a:r>
               <a:rPr lang="en-US" dirty="0"/>
-              <a:t> For the inputs you must declare the type</a:t>
-            </a:r>
-          </a:p>
-          <a:p>
-            <a:pPr lvl="1">
-              <a:spcBef>
-                <a:spcPts val="0"/>
-              </a:spcBef>
-            </a:pPr>
+              <a:t>Why? </a:t>
+            </a:r>
+            <a:r>
+              <a:rPr lang="en-US" b="1" dirty="0"/>
+              <a:t>NO GENERICS</a:t>
+            </a:r>
             <a:r>
               <a:rPr lang="en-US" dirty="0"/>
-              <a:t> You must also declare a type for the outputs (like in Java)</a:t>
-            </a:r>
-          </a:p>
-          <a:p>
-            <a:pPr lvl="1">
-              <a:spcBef>
-                <a:spcPts val="0"/>
-              </a:spcBef>
-            </a:pPr>
-            <a:endParaRPr lang="en-US" dirty="0"/>
-          </a:p>
-          <a:p>
-            <a:pPr lvl="1">
-              <a:spcBef>
-                <a:spcPts val="0"/>
-              </a:spcBef>
-            </a:pPr>
+              <a:t> (told you this kind of sucks!)</a:t>
+            </a:r>
+          </a:p>
+          <a:p>
             <a:r>
               <a:rPr lang="en-US" dirty="0"/>
-              <a:t>The layout is </a:t>
-            </a:r>
-          </a:p>
-          <a:p>
-            <a:pPr marL="1047750" lvl="2" indent="0">
-              <a:spcBef>
-                <a:spcPts val="0"/>
-              </a:spcBef>
-              <a:buNone/>
-            </a:pPr>
-            <a:r>
-              <a:rPr lang="en-US" dirty="0" err="1">
-                <a:latin typeface="American Typewriter" panose="02090604020004020304" pitchFamily="18" charset="77"/>
-              </a:rPr>
-              <a:t>func</a:t>
-            </a:r>
-            <a:r>
-              <a:rPr lang="en-US" dirty="0">
-                <a:latin typeface="American Typewriter" panose="02090604020004020304" pitchFamily="18" charset="77"/>
-              </a:rPr>
-              <a:t> &lt;function name&gt; (&lt;input&gt; &lt;</a:t>
-            </a:r>
-            <a:r>
-              <a:rPr lang="en-US" dirty="0" err="1">
-                <a:latin typeface="American Typewriter" panose="02090604020004020304" pitchFamily="18" charset="77"/>
-              </a:rPr>
-              <a:t>inputtype</a:t>
-            </a:r>
-            <a:r>
-              <a:rPr lang="en-US" dirty="0">
-                <a:latin typeface="American Typewriter" panose="02090604020004020304" pitchFamily="18" charset="77"/>
-              </a:rPr>
-              <a:t>&gt;) &lt;return type if any&gt; {</a:t>
-            </a:r>
-          </a:p>
-          <a:p>
-            <a:pPr marL="1485900" lvl="3" indent="0">
-              <a:spcBef>
-                <a:spcPts val="0"/>
-              </a:spcBef>
-              <a:buNone/>
-            </a:pPr>
-            <a:r>
-              <a:rPr lang="en-US" dirty="0">
-                <a:latin typeface="American Typewriter" panose="02090604020004020304" pitchFamily="18" charset="77"/>
-              </a:rPr>
-              <a:t>	</a:t>
-            </a:r>
-            <a:r>
-              <a:rPr lang="en-US" dirty="0" err="1">
-                <a:latin typeface="American Typewriter" panose="02090604020004020304" pitchFamily="18" charset="77"/>
-              </a:rPr>
-              <a:t>var</a:t>
-            </a:r>
-            <a:r>
-              <a:rPr lang="en-US" dirty="0">
-                <a:latin typeface="American Typewriter" panose="02090604020004020304" pitchFamily="18" charset="77"/>
-              </a:rPr>
-              <a:t> := something</a:t>
-            </a:r>
-          </a:p>
-          <a:p>
-            <a:pPr marL="1485900" lvl="3" indent="0">
-              <a:spcBef>
-                <a:spcPts val="0"/>
-              </a:spcBef>
-              <a:buNone/>
-            </a:pPr>
-            <a:r>
-              <a:rPr lang="en-US" dirty="0">
-                <a:latin typeface="American Typewriter" panose="02090604020004020304" pitchFamily="18" charset="77"/>
-              </a:rPr>
-              <a:t>	return </a:t>
-            </a:r>
-            <a:r>
-              <a:rPr lang="en-US" dirty="0" err="1">
-                <a:latin typeface="American Typewriter" panose="02090604020004020304" pitchFamily="18" charset="77"/>
-              </a:rPr>
-              <a:t>var</a:t>
-            </a:r>
-            <a:r>
-              <a:rPr lang="en-US" dirty="0">
-                <a:latin typeface="American Typewriter" panose="02090604020004020304" pitchFamily="18" charset="77"/>
-              </a:rPr>
-              <a:t> </a:t>
-            </a:r>
-          </a:p>
-          <a:p>
-            <a:pPr marL="1485900" lvl="3" indent="0">
-              <a:spcBef>
-                <a:spcPts val="0"/>
-              </a:spcBef>
-              <a:buNone/>
-            </a:pPr>
-            <a:r>
-              <a:rPr lang="en-US" dirty="0">
-                <a:latin typeface="American Typewriter" panose="02090604020004020304" pitchFamily="18" charset="77"/>
-              </a:rPr>
-              <a:t>}</a:t>
-            </a:r>
-          </a:p>
-          <a:p>
-            <a:pPr lvl="1">
-              <a:spcBef>
-                <a:spcPts val="0"/>
-              </a:spcBef>
-            </a:pPr>
-            <a:endParaRPr lang="en-US" dirty="0"/>
+              <a:t> So the easiest way around this is the </a:t>
+            </a:r>
+            <a:r>
+              <a:rPr lang="en-US" b="1" dirty="0"/>
+              <a:t>reflect</a:t>
+            </a:r>
+            <a:r>
+              <a:rPr lang="en-US" dirty="0"/>
+              <a:t> package which we will sample in the lab</a:t>
+            </a:r>
           </a:p>
         </p:txBody>
       </p:sp>
       <p:pic>
         <p:nvPicPr>
-          <p:cNvPr id="9218" name="Picture 2" descr="Image result for golang gopher">
+          <p:cNvPr id="1026" name="Picture 2" descr="Image result for golang gopher images">
             <a:extLst>
               <a:ext uri="{FF2B5EF4-FFF2-40B4-BE49-F238E27FC236}">
-                <a16:creationId xmlns:a16="http://schemas.microsoft.com/office/drawing/2014/main" id="{71C33463-7FD1-6E40-A886-9C5EA1DF49A3}"/>
+                <a16:creationId xmlns:a16="http://schemas.microsoft.com/office/drawing/2014/main" id="{4BD00645-0CDA-C14A-B81F-7F0E73D03B43}"/>
               </a:ext>
             </a:extLst>
           </p:cNvPr>
@@ -11860,7 +11714,7 @@
           <p:nvPr/>
         </p:nvPicPr>
         <p:blipFill>
-          <a:blip r:embed="rId3">
+          <a:blip r:embed="rId2">
             <a:extLst>
               <a:ext uri="{28A0092B-C50C-407E-A947-70E740481C1C}">
                 <a14:useLocalDpi xmlns:a14="http://schemas.microsoft.com/office/drawing/2010/main" val="0"/>
@@ -11874,8 +11728,8 @@
         </p:blipFill>
         <p:spPr bwMode="auto">
           <a:xfrm>
-            <a:off x="4498746" y="4119972"/>
-            <a:ext cx="3238500" cy="2501900"/>
+            <a:off x="3847070" y="4769963"/>
+            <a:ext cx="1449859" cy="1935637"/>
           </a:xfrm>
           <a:prstGeom prst="rect">
             <a:avLst/>
@@ -11895,7 +11749,7 @@
     </p:spTree>
     <p:extLst>
       <p:ext uri="{BB962C8B-B14F-4D97-AF65-F5344CB8AC3E}">
-        <p14:creationId xmlns:p14="http://schemas.microsoft.com/office/powerpoint/2010/main" val="2735499612"/>
+        <p14:creationId xmlns:p14="http://schemas.microsoft.com/office/powerpoint/2010/main" val="4123274782"/>
       </p:ext>
     </p:extLst>
   </p:cSld>
@@ -12001,22 +11855,52 @@
             </a:pPr>
             <a:r>
               <a:rPr lang="en-US" dirty="0"/>
-              <a:t> Functions can return as many values as you’d like (similar to Python)- which you can then return </a:t>
-            </a:r>
-          </a:p>
-          <a:p>
-            <a:pPr marL="603250" lvl="1" indent="0">
-              <a:spcBef>
-                <a:spcPts val="0"/>
-              </a:spcBef>
-              <a:buNone/>
-            </a:pPr>
-            <a:endParaRPr lang="en-US" dirty="0">
-              <a:latin typeface="American Typewriter" panose="02090604020004020304" pitchFamily="18" charset="77"/>
-            </a:endParaRPr>
-          </a:p>
-          <a:p>
-            <a:pPr marL="603250" lvl="1" indent="0">
+              <a:t> Functions in Go take ZERO or more arguments. </a:t>
+            </a:r>
+          </a:p>
+          <a:p>
+            <a:pPr lvl="1">
+              <a:spcBef>
+                <a:spcPts val="0"/>
+              </a:spcBef>
+            </a:pPr>
+            <a:r>
+              <a:rPr lang="en-US" dirty="0"/>
+              <a:t> For the inputs you must declare the type</a:t>
+            </a:r>
+          </a:p>
+          <a:p>
+            <a:pPr lvl="1">
+              <a:spcBef>
+                <a:spcPts val="0"/>
+              </a:spcBef>
+            </a:pPr>
+            <a:r>
+              <a:rPr lang="en-US" dirty="0"/>
+              <a:t> You must also declare a type for the outputs (like in Java)</a:t>
+            </a:r>
+          </a:p>
+          <a:p>
+            <a:pPr lvl="1">
+              <a:spcBef>
+                <a:spcPts val="0"/>
+              </a:spcBef>
+            </a:pPr>
+            <a:endParaRPr lang="en-US" dirty="0"/>
+          </a:p>
+          <a:p>
+            <a:pPr lvl="1">
+              <a:spcBef>
+                <a:spcPts val="0"/>
+              </a:spcBef>
+            </a:pPr>
+            <a:r>
+              <a:rPr lang="en-US" dirty="0"/>
+              <a:t>The layout is </a:t>
+            </a:r>
+          </a:p>
+          <a:p>
+            <a:pPr marL="1047750" lvl="2" indent="0">
               <a:spcBef>
                 <a:spcPts val="0"/>
               </a:spcBef>
@@ -12032,25 +11916,23 @@
               <a:rPr lang="en-US" dirty="0">
                 <a:latin typeface="American Typewriter" panose="02090604020004020304" pitchFamily="18" charset="77"/>
               </a:rPr>
-              <a:t> swap(x, y string) (string, string) {</a:t>
-            </a:r>
-          </a:p>
-          <a:p>
-            <a:pPr marL="603250" lvl="1" indent="0">
-              <a:spcBef>
-                <a:spcPts val="0"/>
-              </a:spcBef>
-              <a:buNone/>
-            </a:pPr>
+              <a:t> &lt;function name&gt; (&lt;input&gt; &lt;</a:t>
+            </a:r>
+            <a:r>
+              <a:rPr lang="en-US" dirty="0" err="1">
+                <a:latin typeface="American Typewriter" panose="02090604020004020304" pitchFamily="18" charset="77"/>
+              </a:rPr>
+              <a:t>inputtype</a:t>
+            </a:r>
             <a:r>
               <a:rPr lang="en-US" dirty="0">
                 <a:latin typeface="American Typewriter" panose="02090604020004020304" pitchFamily="18" charset="77"/>
               </a:rPr>
-              <a:t>	return y, x</a:t>
-            </a:r>
-          </a:p>
-          <a:p>
-            <a:pPr marL="603250" lvl="1" indent="0">
+              <a:t>&gt;) &lt;return type if any&gt; {</a:t>
+            </a:r>
+          </a:p>
+          <a:p>
+            <a:pPr marL="1485900" lvl="3" indent="0">
               <a:spcBef>
                 <a:spcPts val="0"/>
               </a:spcBef>
@@ -12060,31 +11942,23 @@
               <a:rPr lang="en-US" dirty="0">
                 <a:latin typeface="American Typewriter" panose="02090604020004020304" pitchFamily="18" charset="77"/>
               </a:rPr>
-              <a:t>}</a:t>
-            </a:r>
-          </a:p>
-          <a:p>
-            <a:pPr marL="603250" lvl="1" indent="0">
-              <a:spcBef>
-                <a:spcPts val="0"/>
-              </a:spcBef>
-              <a:buNone/>
-            </a:pPr>
+              <a:t>	</a:t>
+            </a:r>
             <a:r>
               <a:rPr lang="en-US" dirty="0" err="1">
                 <a:latin typeface="American Typewriter" panose="02090604020004020304" pitchFamily="18" charset="77"/>
               </a:rPr>
-              <a:t>func</a:t>
+              <a:t>var</a:t>
             </a:r>
             <a:r>
               <a:rPr lang="en-US" dirty="0">
                 <a:latin typeface="American Typewriter" panose="02090604020004020304" pitchFamily="18" charset="77"/>
               </a:rPr>
-              <a:t> main() {</a:t>
-            </a:r>
-          </a:p>
-          <a:p>
-            <a:pPr marL="603250" lvl="1" indent="0">
+              <a:t> := something</a:t>
+            </a:r>
+          </a:p>
+          <a:p>
+            <a:pPr marL="1485900" lvl="3" indent="0">
               <a:spcBef>
                 <a:spcPts val="0"/>
               </a:spcBef>
@@ -12094,66 +11968,51 @@
               <a:rPr lang="en-US" dirty="0">
                 <a:latin typeface="American Typewriter" panose="02090604020004020304" pitchFamily="18" charset="77"/>
               </a:rPr>
-              <a:t>	</a:t>
-            </a:r>
-            <a:r>
-              <a:rPr lang="en-US" dirty="0">
-                <a:highlight>
-                  <a:srgbClr val="FFFF00"/>
-                </a:highlight>
+              <a:t>	return </a:t>
+            </a:r>
+            <a:r>
+              <a:rPr lang="en-US" dirty="0" err="1">
                 <a:latin typeface="American Typewriter" panose="02090604020004020304" pitchFamily="18" charset="77"/>
               </a:rPr>
-              <a:t>a, b := swap("hello", "world")</a:t>
-            </a:r>
-          </a:p>
-          <a:p>
-            <a:pPr marL="603250" lvl="1" indent="0">
-              <a:spcBef>
-                <a:spcPts val="0"/>
-              </a:spcBef>
-              <a:buNone/>
-            </a:pPr>
+              <a:t>var</a:t>
+            </a:r>
             <a:r>
               <a:rPr lang="en-US" dirty="0">
                 <a:latin typeface="American Typewriter" panose="02090604020004020304" pitchFamily="18" charset="77"/>
               </a:rPr>
-              <a:t>	</a:t>
-            </a:r>
-            <a:r>
-              <a:rPr lang="en-US" dirty="0" err="1">
-                <a:latin typeface="American Typewriter" panose="02090604020004020304" pitchFamily="18" charset="77"/>
-              </a:rPr>
-              <a:t>fmt.Println</a:t>
-            </a:r>
+              <a:t> </a:t>
+            </a:r>
+          </a:p>
+          <a:p>
+            <a:pPr marL="1485900" lvl="3" indent="0">
+              <a:spcBef>
+                <a:spcPts val="0"/>
+              </a:spcBef>
+              <a:buNone/>
+            </a:pPr>
             <a:r>
               <a:rPr lang="en-US" dirty="0">
                 <a:latin typeface="American Typewriter" panose="02090604020004020304" pitchFamily="18" charset="77"/>
               </a:rPr>
-              <a:t>(a, b)</a:t>
-            </a:r>
-          </a:p>
-          <a:p>
-            <a:pPr marL="603250" lvl="1" indent="0">
-              <a:spcBef>
-                <a:spcPts val="0"/>
-              </a:spcBef>
-              <a:buNone/>
-            </a:pPr>
-            <a:r>
-              <a:rPr lang="en-US" dirty="0">
-                <a:latin typeface="American Typewriter" panose="02090604020004020304" pitchFamily="18" charset="77"/>
-              </a:rPr>
               <a:t>}</a:t>
             </a:r>
+          </a:p>
+          <a:p>
+            <a:pPr lvl="1">
+              <a:spcBef>
+                <a:spcPts val="0"/>
+              </a:spcBef>
+            </a:pPr>
+            <a:endParaRPr lang="en-US" dirty="0"/>
           </a:p>
         </p:txBody>
       </p:sp>
       <p:pic>
         <p:nvPicPr>
-          <p:cNvPr id="10242" name="Picture 2" descr="Image result for golang gopher">
+          <p:cNvPr id="9218" name="Picture 2" descr="Image result for golang gopher">
             <a:extLst>
               <a:ext uri="{FF2B5EF4-FFF2-40B4-BE49-F238E27FC236}">
-                <a16:creationId xmlns:a16="http://schemas.microsoft.com/office/drawing/2014/main" id="{1493CE61-60D7-1B4D-AA4A-897FDDDF985B}"/>
+                <a16:creationId xmlns:a16="http://schemas.microsoft.com/office/drawing/2014/main" id="{71C33463-7FD1-6E40-A886-9C5EA1DF49A3}"/>
               </a:ext>
             </a:extLst>
           </p:cNvPr>
@@ -12177,8 +12036,8 @@
         </p:blipFill>
         <p:spPr bwMode="auto">
           <a:xfrm>
-            <a:off x="5415110" y="3543299"/>
-            <a:ext cx="2857500" cy="2857500"/>
+            <a:off x="4498746" y="4119972"/>
+            <a:ext cx="3238500" cy="2501900"/>
           </a:xfrm>
           <a:prstGeom prst="rect">
             <a:avLst/>
@@ -12198,7 +12057,7 @@
     </p:spTree>
     <p:extLst>
       <p:ext uri="{BB962C8B-B14F-4D97-AF65-F5344CB8AC3E}">
-        <p14:creationId xmlns:p14="http://schemas.microsoft.com/office/powerpoint/2010/main" val="3708550629"/>
+        <p14:creationId xmlns:p14="http://schemas.microsoft.com/office/powerpoint/2010/main" val="2735499612"/>
       </p:ext>
     </p:extLst>
   </p:cSld>
@@ -12377,7 +12236,7 @@
             </a:pPr>
             <a:r>
               <a:rPr lang="en-US" dirty="0"/>
-              <a:t>Golang: Functions- Naked returns</a:t>
+              <a:t>Golang: Functions</a:t>
             </a:r>
             <a:endParaRPr dirty="0"/>
           </a:p>
@@ -12423,43 +12282,52 @@
             </a:pPr>
             <a:r>
               <a:rPr lang="en-US" dirty="0"/>
-              <a:t> Golang has a weird feature called “naked returns”- which is when a return statement is run without arguments. </a:t>
-            </a:r>
-          </a:p>
-          <a:p>
-            <a:pPr lvl="1">
-              <a:spcBef>
-                <a:spcPts val="0"/>
-              </a:spcBef>
-            </a:pPr>
-            <a:r>
-              <a:rPr lang="en-US" b="1" i="1" dirty="0">
-                <a:latin typeface="American Typewriter" panose="02090604020004020304" pitchFamily="18" charset="77"/>
-              </a:rPr>
-              <a:t> Do not use this</a:t>
-            </a:r>
-            <a:endParaRPr lang="en-US" i="1" dirty="0">
+              <a:t> Functions can return as many values as you’d like (similar to Python)- which you can then return </a:t>
+            </a:r>
+          </a:p>
+          <a:p>
+            <a:pPr marL="603250" lvl="1" indent="0">
+              <a:spcBef>
+                <a:spcPts val="0"/>
+              </a:spcBef>
+              <a:buNone/>
+            </a:pPr>
+            <a:endParaRPr lang="en-US" dirty="0">
               <a:latin typeface="American Typewriter" panose="02090604020004020304" pitchFamily="18" charset="77"/>
             </a:endParaRPr>
           </a:p>
           <a:p>
-            <a:pPr lvl="1">
-              <a:spcBef>
-                <a:spcPts val="0"/>
-              </a:spcBef>
-            </a:pPr>
+            <a:pPr marL="603250" lvl="1" indent="0">
+              <a:spcBef>
+                <a:spcPts val="0"/>
+              </a:spcBef>
+              <a:buNone/>
+            </a:pPr>
+            <a:r>
+              <a:rPr lang="en-US" dirty="0" err="1">
+                <a:latin typeface="American Typewriter" panose="02090604020004020304" pitchFamily="18" charset="77"/>
+              </a:rPr>
+              <a:t>func</a:t>
+            </a:r>
             <a:r>
               <a:rPr lang="en-US" dirty="0">
                 <a:latin typeface="American Typewriter" panose="02090604020004020304" pitchFamily="18" charset="77"/>
               </a:rPr>
-              <a:t> …but you should know that it exists </a:t>
-            </a:r>
+              <a:t> swap(x, y string) (string, string) {</a:t>
+            </a:r>
+          </a:p>
+          <a:p>
+            <a:pPr marL="603250" lvl="1" indent="0">
+              <a:spcBef>
+                <a:spcPts val="0"/>
+              </a:spcBef>
+              <a:buNone/>
+            </a:pPr>
             <a:r>
               <a:rPr lang="en-US" dirty="0">
                 <a:latin typeface="American Typewriter" panose="02090604020004020304" pitchFamily="18" charset="77"/>
-                <a:sym typeface="Wingdings" pitchFamily="2" charset="2"/>
-              </a:rPr>
-              <a:t></a:t>
+              </a:rPr>
+              <a:t>	return y, x</a:t>
             </a:r>
           </a:p>
           <a:p>
@@ -12469,19 +12337,104 @@
               </a:spcBef>
               <a:buNone/>
             </a:pPr>
-            <a:endParaRPr lang="en-US" dirty="0">
-              <a:latin typeface="American Typewriter" panose="02090604020004020304" pitchFamily="18" charset="77"/>
-              <a:sym typeface="Wingdings" pitchFamily="2" charset="2"/>
-            </a:endParaRPr>
+            <a:r>
+              <a:rPr lang="en-US" dirty="0">
+                <a:latin typeface="American Typewriter" panose="02090604020004020304" pitchFamily="18" charset="77"/>
+              </a:rPr>
+              <a:t>}</a:t>
+            </a:r>
+          </a:p>
+          <a:p>
+            <a:pPr marL="603250" lvl="1" indent="0">
+              <a:spcBef>
+                <a:spcPts val="0"/>
+              </a:spcBef>
+              <a:buNone/>
+            </a:pPr>
+            <a:r>
+              <a:rPr lang="en-US" dirty="0" err="1">
+                <a:latin typeface="American Typewriter" panose="02090604020004020304" pitchFamily="18" charset="77"/>
+              </a:rPr>
+              <a:t>func</a:t>
+            </a:r>
+            <a:r>
+              <a:rPr lang="en-US" dirty="0">
+                <a:latin typeface="American Typewriter" panose="02090604020004020304" pitchFamily="18" charset="77"/>
+              </a:rPr>
+              <a:t> main() {</a:t>
+            </a:r>
+          </a:p>
+          <a:p>
+            <a:pPr marL="603250" lvl="1" indent="0">
+              <a:spcBef>
+                <a:spcPts val="0"/>
+              </a:spcBef>
+              <a:buNone/>
+            </a:pPr>
+            <a:r>
+              <a:rPr lang="en-US" dirty="0">
+                <a:latin typeface="American Typewriter" panose="02090604020004020304" pitchFamily="18" charset="77"/>
+              </a:rPr>
+              <a:t>	</a:t>
+            </a:r>
+            <a:r>
+              <a:rPr lang="en-US" dirty="0">
+                <a:highlight>
+                  <a:srgbClr val="FFFF00"/>
+                </a:highlight>
+                <a:latin typeface="American Typewriter" panose="02090604020004020304" pitchFamily="18" charset="77"/>
+              </a:rPr>
+              <a:t>a, b := swap("hello", "world")</a:t>
+            </a:r>
+          </a:p>
+          <a:p>
+            <a:pPr marL="603250" lvl="1" indent="0">
+              <a:spcBef>
+                <a:spcPts val="0"/>
+              </a:spcBef>
+              <a:buNone/>
+            </a:pPr>
+            <a:r>
+              <a:rPr lang="en-US" dirty="0">
+                <a:latin typeface="American Typewriter" panose="02090604020004020304" pitchFamily="18" charset="77"/>
+              </a:rPr>
+              <a:t>	</a:t>
+            </a:r>
+            <a:r>
+              <a:rPr lang="en-US" dirty="0" err="1">
+                <a:latin typeface="American Typewriter" panose="02090604020004020304" pitchFamily="18" charset="77"/>
+              </a:rPr>
+              <a:t>fmt.Println</a:t>
+            </a:r>
+            <a:r>
+              <a:rPr lang="en-US" dirty="0">
+                <a:latin typeface="American Typewriter" panose="02090604020004020304" pitchFamily="18" charset="77"/>
+              </a:rPr>
+              <a:t>(a, b)</a:t>
+            </a:r>
+          </a:p>
+          <a:p>
+            <a:pPr marL="603250" lvl="1" indent="0">
+              <a:spcBef>
+                <a:spcPts val="0"/>
+              </a:spcBef>
+              <a:buNone/>
+            </a:pPr>
+            <a:r>
+              <a:rPr lang="en-US" dirty="0">
+                <a:latin typeface="American Typewriter" panose="02090604020004020304" pitchFamily="18" charset="77"/>
+              </a:rPr>
+              <a:t>}</a:t>
+            </a:r>
           </a:p>
         </p:txBody>
       </p:sp>
       <p:pic>
         <p:nvPicPr>
-          <p:cNvPr id="12290" name="Picture 2" descr="Image result for golang gopher">
+          <p:cNvPr id="10242" name="Picture 2" descr="Image result for golang gopher">
             <a:extLst>
               <a:ext uri="{FF2B5EF4-FFF2-40B4-BE49-F238E27FC236}">
-                <a16:creationId xmlns:a16="http://schemas.microsoft.com/office/drawing/2014/main" id="{495F81A9-842A-934C-95BB-8B79B7C28000}"/>
+                <a16:creationId xmlns:a16="http://schemas.microsoft.com/office/drawing/2014/main" id="{1493CE61-60D7-1B4D-AA4A-897FDDDF985B}"/>
               </a:ext>
             </a:extLst>
           </p:cNvPr>
@@ -12505,7 +12458,7 @@
         </p:blipFill>
         <p:spPr bwMode="auto">
           <a:xfrm>
-            <a:off x="3143250" y="3429000"/>
+            <a:off x="5415110" y="3543299"/>
             <a:ext cx="2857500" cy="2857500"/>
           </a:xfrm>
           <a:prstGeom prst="rect">
@@ -12526,7 +12479,7 @@
     </p:spTree>
     <p:extLst>
       <p:ext uri="{BB962C8B-B14F-4D97-AF65-F5344CB8AC3E}">
-        <p14:creationId xmlns:p14="http://schemas.microsoft.com/office/powerpoint/2010/main" val="50663287"/>
+        <p14:creationId xmlns:p14="http://schemas.microsoft.com/office/powerpoint/2010/main" val="3708550629"/>
       </p:ext>
     </p:extLst>
   </p:cSld>
@@ -12586,7 +12539,7 @@
             </a:pPr>
             <a:r>
               <a:rPr lang="en-US" dirty="0"/>
-              <a:t>Golang: Functions- Variadic functions</a:t>
+              <a:t>Golang: Functions- Naked returns</a:t>
             </a:r>
             <a:endParaRPr dirty="0"/>
           </a:p>
@@ -12622,8 +12575,33 @@
                 <a:spcPts val="0"/>
               </a:spcBef>
             </a:pPr>
-            <a:endParaRPr lang="en-US" dirty="0">
-              <a:latin typeface="+mj-lt"/>
+            <a:endParaRPr lang="en-US" dirty="0"/>
+          </a:p>
+          <a:p>
+            <a:pPr lvl="1">
+              <a:spcBef>
+                <a:spcPts val="0"/>
+              </a:spcBef>
+            </a:pPr>
+            <a:r>
+              <a:rPr lang="en-US" dirty="0"/>
+              <a:t> Golang has a weird feature called “naked returns”- which is when a return statement is run without arguments. </a:t>
+            </a:r>
+          </a:p>
+          <a:p>
+            <a:pPr lvl="1">
+              <a:spcBef>
+                <a:spcPts val="0"/>
+              </a:spcBef>
+            </a:pPr>
+            <a:r>
+              <a:rPr lang="en-US" b="1" i="1" dirty="0">
+                <a:latin typeface="American Typewriter" panose="02090604020004020304" pitchFamily="18" charset="77"/>
+              </a:rPr>
+              <a:t> Do not use this</a:t>
+            </a:r>
+            <a:endParaRPr lang="en-US" i="1" dirty="0">
+              <a:latin typeface="American Typewriter" panose="02090604020004020304" pitchFamily="18" charset="77"/>
             </a:endParaRPr>
           </a:p>
           <a:p>
@@ -12634,137 +12612,16 @@
             </a:pPr>
             <a:r>
               <a:rPr lang="en-US" dirty="0">
-                <a:latin typeface="+mj-lt"/>
-              </a:rPr>
-              <a:t>Golang supports variadic inputs to the functions (like the **</a:t>
-            </a:r>
-            <a:r>
-              <a:rPr lang="en-US" b="1" dirty="0" err="1">
-                <a:latin typeface="+mj-lt"/>
-              </a:rPr>
-              <a:t>args</a:t>
+                <a:latin typeface="American Typewriter" panose="02090604020004020304" pitchFamily="18" charset="77"/>
+              </a:rPr>
+              <a:t> …but you should know that it exists </a:t>
             </a:r>
             <a:r>
               <a:rPr lang="en-US" dirty="0">
-                <a:latin typeface="+mj-lt"/>
-              </a:rPr>
-              <a:t> or </a:t>
-            </a:r>
-            <a:r>
-              <a:rPr lang="en-US" b="1" dirty="0">
-                <a:latin typeface="+mj-lt"/>
-              </a:rPr>
-              <a:t>**</a:t>
-            </a:r>
-            <a:r>
-              <a:rPr lang="en-US" b="1" dirty="0" err="1">
-                <a:latin typeface="+mj-lt"/>
-              </a:rPr>
-              <a:t>kwargs</a:t>
-            </a:r>
-            <a:r>
-              <a:rPr lang="en-US" b="1" dirty="0">
-                <a:latin typeface="+mj-lt"/>
-              </a:rPr>
-              <a:t> </a:t>
-            </a:r>
-            <a:r>
-              <a:rPr lang="en-US" dirty="0">
-                <a:latin typeface="+mj-lt"/>
-              </a:rPr>
-              <a:t>keywords in python)</a:t>
-            </a:r>
-          </a:p>
-          <a:p>
-            <a:pPr lvl="1">
-              <a:spcBef>
-                <a:spcPts val="0"/>
-              </a:spcBef>
-            </a:pPr>
-            <a:endParaRPr lang="en-US" dirty="0">
-              <a:latin typeface="+mj-lt"/>
-              <a:sym typeface="Wingdings" pitchFamily="2" charset="2"/>
-            </a:endParaRPr>
-          </a:p>
-          <a:p>
-            <a:pPr lvl="1">
-              <a:spcBef>
-                <a:spcPts val="0"/>
-              </a:spcBef>
-            </a:pPr>
-            <a:r>
-              <a:rPr lang="en-US" dirty="0">
-                <a:latin typeface="+mj-lt"/>
+                <a:latin typeface="American Typewriter" panose="02090604020004020304" pitchFamily="18" charset="77"/>
                 <a:sym typeface="Wingdings" pitchFamily="2" charset="2"/>
               </a:rPr>
-              <a:t> You </a:t>
-            </a:r>
-            <a:r>
-              <a:rPr lang="en-US" b="1" dirty="0">
-                <a:latin typeface="+mj-lt"/>
-                <a:sym typeface="Wingdings" pitchFamily="2" charset="2"/>
-              </a:rPr>
-              <a:t>still need</a:t>
-            </a:r>
-            <a:r>
-              <a:rPr lang="en-US" dirty="0">
-                <a:latin typeface="+mj-lt"/>
-                <a:sym typeface="Wingdings" pitchFamily="2" charset="2"/>
-              </a:rPr>
-              <a:t> to declare the type (remember that Golang is strictly typed).</a:t>
-            </a:r>
-          </a:p>
-          <a:p>
-            <a:pPr lvl="1">
-              <a:spcBef>
-                <a:spcPts val="0"/>
-              </a:spcBef>
-            </a:pPr>
-            <a:endParaRPr lang="en-US" dirty="0">
-              <a:latin typeface="+mj-lt"/>
-              <a:sym typeface="Wingdings" pitchFamily="2" charset="2"/>
-            </a:endParaRPr>
-          </a:p>
-          <a:p>
-            <a:pPr lvl="1">
-              <a:spcBef>
-                <a:spcPts val="0"/>
-              </a:spcBef>
-            </a:pPr>
-            <a:r>
-              <a:rPr lang="en-US" dirty="0">
-                <a:latin typeface="+mj-lt"/>
-                <a:sym typeface="Wingdings" pitchFamily="2" charset="2"/>
-              </a:rPr>
-              <a:t>In Go a variadic function is declared with the </a:t>
-            </a:r>
-            <a:r>
-              <a:rPr lang="en-US" b="1" dirty="0">
-                <a:latin typeface="+mj-lt"/>
-                <a:sym typeface="Wingdings" pitchFamily="2" charset="2"/>
-              </a:rPr>
-              <a:t>…</a:t>
-            </a:r>
-            <a:r>
-              <a:rPr lang="en-US" dirty="0">
-                <a:latin typeface="+mj-lt"/>
-                <a:sym typeface="Wingdings" pitchFamily="2" charset="2"/>
-              </a:rPr>
-              <a:t> declared before the </a:t>
-            </a:r>
-            <a:r>
-              <a:rPr lang="en-US" b="1" dirty="0">
-                <a:latin typeface="+mj-lt"/>
-                <a:sym typeface="Wingdings" pitchFamily="2" charset="2"/>
-              </a:rPr>
-              <a:t>type declaration</a:t>
-            </a:r>
-            <a:r>
-              <a:rPr lang="en-US" dirty="0">
-                <a:latin typeface="+mj-lt"/>
-                <a:sym typeface="Wingdings" pitchFamily="2" charset="2"/>
-              </a:rPr>
-              <a:t> in the function input</a:t>
+              <a:t></a:t>
             </a:r>
           </a:p>
           <a:p>
@@ -12783,10 +12640,10 @@
       </p:sp>
       <p:pic>
         <p:nvPicPr>
-          <p:cNvPr id="14338" name="Picture 2" descr="Image result for golang gopher">
+          <p:cNvPr id="12290" name="Picture 2" descr="Image result for golang gopher">
             <a:extLst>
               <a:ext uri="{FF2B5EF4-FFF2-40B4-BE49-F238E27FC236}">
-                <a16:creationId xmlns:a16="http://schemas.microsoft.com/office/drawing/2014/main" id="{5C826376-ED67-C347-81AA-DF48C18E5F5B}"/>
+                <a16:creationId xmlns:a16="http://schemas.microsoft.com/office/drawing/2014/main" id="{495F81A9-842A-934C-95BB-8B79B7C28000}"/>
               </a:ext>
             </a:extLst>
           </p:cNvPr>
@@ -12810,8 +12667,8 @@
         </p:blipFill>
         <p:spPr bwMode="auto">
           <a:xfrm>
-            <a:off x="3398886" y="4647414"/>
-            <a:ext cx="2058186" cy="2058186"/>
+            <a:off x="3143250" y="3429000"/>
+            <a:ext cx="2857500" cy="2857500"/>
           </a:xfrm>
           <a:prstGeom prst="rect">
             <a:avLst/>
@@ -12831,7 +12688,7 @@
     </p:spTree>
     <p:extLst>
       <p:ext uri="{BB962C8B-B14F-4D97-AF65-F5344CB8AC3E}">
-        <p14:creationId xmlns:p14="http://schemas.microsoft.com/office/powerpoint/2010/main" val="2655408410"/>
+        <p14:creationId xmlns:p14="http://schemas.microsoft.com/office/powerpoint/2010/main" val="50663287"/>
       </p:ext>
     </p:extLst>
   </p:cSld>
@@ -12890,10 +12747,10 @@
               <a:buNone/>
             </a:pPr>
             <a:r>
-              <a:rPr lang="en-US"/>
-              <a:t>Golang: Functions- a few more notes</a:t>
-            </a:r>
-            <a:endParaRPr lang="en-US" dirty="0"/>
+              <a:rPr lang="en-US" dirty="0"/>
+              <a:t>Golang: Functions- Variadic functions</a:t>
+            </a:r>
+            <a:endParaRPr dirty="0"/>
           </a:p>
         </p:txBody>
       </p:sp>
@@ -12927,419 +12784,160 @@
                 <a:spcPts val="0"/>
               </a:spcBef>
             </a:pPr>
+            <a:endParaRPr lang="en-US" dirty="0">
+              <a:latin typeface="+mj-lt"/>
+            </a:endParaRPr>
+          </a:p>
+          <a:p>
+            <a:pPr lvl="1">
+              <a:spcBef>
+                <a:spcPts val="0"/>
+              </a:spcBef>
+            </a:pPr>
+            <a:r>
+              <a:rPr lang="en-US" dirty="0">
+                <a:latin typeface="+mj-lt"/>
+              </a:rPr>
+              <a:t>Golang supports variadic inputs to the functions (like the **</a:t>
+            </a:r>
+            <a:r>
+              <a:rPr lang="en-US" b="1" dirty="0" err="1">
+                <a:latin typeface="+mj-lt"/>
+              </a:rPr>
+              <a:t>args</a:t>
+            </a:r>
+            <a:r>
+              <a:rPr lang="en-US" dirty="0">
+                <a:latin typeface="+mj-lt"/>
+              </a:rPr>
+              <a:t> or </a:t>
+            </a:r>
+            <a:r>
+              <a:rPr lang="en-US" b="1" dirty="0">
+                <a:latin typeface="+mj-lt"/>
+              </a:rPr>
+              <a:t>**</a:t>
+            </a:r>
+            <a:r>
+              <a:rPr lang="en-US" b="1" dirty="0" err="1">
+                <a:latin typeface="+mj-lt"/>
+              </a:rPr>
+              <a:t>kwargs</a:t>
+            </a:r>
+            <a:r>
+              <a:rPr lang="en-US" b="1" dirty="0">
+                <a:latin typeface="+mj-lt"/>
+              </a:rPr>
+              <a:t> </a:t>
+            </a:r>
+            <a:r>
+              <a:rPr lang="en-US" dirty="0">
+                <a:latin typeface="+mj-lt"/>
+              </a:rPr>
+              <a:t>keywords in python)</a:t>
+            </a:r>
+          </a:p>
+          <a:p>
+            <a:pPr lvl="1">
+              <a:spcBef>
+                <a:spcPts val="0"/>
+              </a:spcBef>
+            </a:pPr>
+            <a:endParaRPr lang="en-US" dirty="0">
+              <a:latin typeface="+mj-lt"/>
+              <a:sym typeface="Wingdings" pitchFamily="2" charset="2"/>
+            </a:endParaRPr>
+          </a:p>
+          <a:p>
+            <a:pPr lvl="1">
+              <a:spcBef>
+                <a:spcPts val="0"/>
+              </a:spcBef>
+            </a:pPr>
             <a:r>
               <a:rPr lang="en-US" dirty="0">
                 <a:latin typeface="+mj-lt"/>
                 <a:sym typeface="Wingdings" pitchFamily="2" charset="2"/>
               </a:rPr>
-              <a:t> Similar to one of the best things about Node/</a:t>
-            </a:r>
-            <a:r>
-              <a:rPr lang="en-US" dirty="0" err="1">
+              <a:t> You </a:t>
+            </a:r>
+            <a:r>
+              <a:rPr lang="en-US" b="1" dirty="0">
                 <a:latin typeface="+mj-lt"/>
                 <a:sym typeface="Wingdings" pitchFamily="2" charset="2"/>
               </a:rPr>
-              <a:t>Javascript</a:t>
+              <a:t>still need</a:t>
             </a:r>
             <a:r>
               <a:rPr lang="en-US" dirty="0">
                 <a:latin typeface="+mj-lt"/>
                 <a:sym typeface="Wingdings" pitchFamily="2" charset="2"/>
               </a:rPr>
-              <a:t>- </a:t>
+              <a:t> to declare the type (remember that Golang is strictly typed).</a:t>
+            </a:r>
+          </a:p>
+          <a:p>
+            <a:pPr lvl="1">
+              <a:spcBef>
+                <a:spcPts val="0"/>
+              </a:spcBef>
+            </a:pPr>
+            <a:endParaRPr lang="en-US" dirty="0">
+              <a:latin typeface="+mj-lt"/>
+              <a:sym typeface="Wingdings" pitchFamily="2" charset="2"/>
+            </a:endParaRPr>
+          </a:p>
+          <a:p>
+            <a:pPr lvl="1">
+              <a:spcBef>
+                <a:spcPts val="0"/>
+              </a:spcBef>
+            </a:pPr>
+            <a:r>
+              <a:rPr lang="en-US" dirty="0">
+                <a:latin typeface="+mj-lt"/>
+                <a:sym typeface="Wingdings" pitchFamily="2" charset="2"/>
+              </a:rPr>
+              <a:t>In Go a variadic function is declared with the </a:t>
             </a:r>
             <a:r>
               <a:rPr lang="en-US" b="1" dirty="0">
                 <a:latin typeface="+mj-lt"/>
                 <a:sym typeface="Wingdings" pitchFamily="2" charset="2"/>
               </a:rPr>
-              <a:t>Functions in go can be passed around just like any other value. </a:t>
+              <a:t>…</a:t>
             </a:r>
             <a:r>
               <a:rPr lang="en-US" dirty="0">
                 <a:latin typeface="+mj-lt"/>
                 <a:sym typeface="Wingdings" pitchFamily="2" charset="2"/>
               </a:rPr>
-              <a:t>This means that we can return </a:t>
-            </a:r>
-            <a:r>
-              <a:rPr lang="en-US" b="1" i="1" dirty="0">
+              <a:t> declared before the </a:t>
+            </a:r>
+            <a:r>
+              <a:rPr lang="en-US" b="1" dirty="0">
                 <a:latin typeface="+mj-lt"/>
                 <a:sym typeface="Wingdings" pitchFamily="2" charset="2"/>
               </a:rPr>
-              <a:t>anonymous functions</a:t>
-            </a:r>
-            <a:r>
-              <a:rPr lang="en-US" i="1" dirty="0">
-                <a:latin typeface="+mj-lt"/>
-                <a:sym typeface="Wingdings" pitchFamily="2" charset="2"/>
-              </a:rPr>
-              <a:t> </a:t>
+              <a:t>type declaration</a:t>
             </a:r>
             <a:r>
               <a:rPr lang="en-US" dirty="0">
                 <a:latin typeface="+mj-lt"/>
                 <a:sym typeface="Wingdings" pitchFamily="2" charset="2"/>
               </a:rPr>
-              <a:t>which can form</a:t>
-            </a:r>
-            <a:r>
-              <a:rPr lang="en-US" b="1" dirty="0">
-                <a:latin typeface="+mj-lt"/>
-                <a:sym typeface="Wingdings" pitchFamily="2" charset="2"/>
-              </a:rPr>
-              <a:t> closures</a:t>
-            </a:r>
-          </a:p>
-          <a:p>
-            <a:pPr lvl="1">
-              <a:spcBef>
-                <a:spcPts val="0"/>
-              </a:spcBef>
-            </a:pPr>
-            <a:endParaRPr lang="en-US" b="1" dirty="0">
-              <a:latin typeface="+mj-lt"/>
-              <a:sym typeface="Wingdings" pitchFamily="2" charset="2"/>
-            </a:endParaRPr>
-          </a:p>
-          <a:p>
-            <a:pPr lvl="1">
-              <a:spcBef>
-                <a:spcPts val="0"/>
-              </a:spcBef>
-            </a:pPr>
-            <a:r>
-              <a:rPr lang="en-US" b="1" dirty="0">
-                <a:latin typeface="+mj-lt"/>
-                <a:sym typeface="Wingdings" pitchFamily="2" charset="2"/>
-              </a:rPr>
-              <a:t> </a:t>
-            </a:r>
-            <a:r>
-              <a:rPr lang="en-US" dirty="0">
-                <a:latin typeface="+mj-lt"/>
-                <a:sym typeface="Wingdings" pitchFamily="2" charset="2"/>
-              </a:rPr>
-              <a:t>When you return a </a:t>
-            </a:r>
-            <a:r>
-              <a:rPr lang="en-US" b="1" dirty="0">
-                <a:latin typeface="+mj-lt"/>
-                <a:sym typeface="Wingdings" pitchFamily="2" charset="2"/>
-              </a:rPr>
-              <a:t>function</a:t>
-            </a:r>
-            <a:r>
-              <a:rPr lang="en-US" dirty="0">
-                <a:latin typeface="+mj-lt"/>
-                <a:sym typeface="Wingdings" pitchFamily="2" charset="2"/>
-              </a:rPr>
-              <a:t> you use the keywords for </a:t>
-            </a:r>
-            <a:r>
-              <a:rPr lang="en-US" b="1" dirty="0">
-                <a:latin typeface="+mj-lt"/>
-                <a:sym typeface="Wingdings" pitchFamily="2" charset="2"/>
-              </a:rPr>
-              <a:t>both the function and the return from that function</a:t>
-            </a:r>
-          </a:p>
-          <a:p>
-            <a:pPr marL="1460500" lvl="3" indent="0">
+              <a:t> in the function input</a:t>
+            </a:r>
+          </a:p>
+          <a:p>
+            <a:pPr marL="603250" lvl="1" indent="0">
               <a:spcBef>
                 <a:spcPts val="0"/>
               </a:spcBef>
               <a:buNone/>
             </a:pPr>
-            <a:r>
-              <a:rPr lang="en-US" sz="2000" dirty="0">
-                <a:latin typeface="American Typewriter" panose="02090604020004020304" pitchFamily="18" charset="77"/>
-                <a:sym typeface="Wingdings" pitchFamily="2" charset="2"/>
-              </a:rPr>
-              <a:t>package main</a:t>
-            </a:r>
-          </a:p>
-          <a:p>
-            <a:pPr marL="1460500" lvl="3" indent="0">
-              <a:spcBef>
-                <a:spcPts val="0"/>
-              </a:spcBef>
-              <a:buNone/>
-            </a:pPr>
-            <a:r>
-              <a:rPr lang="en-US" sz="2000" dirty="0">
-                <a:latin typeface="American Typewriter" panose="02090604020004020304" pitchFamily="18" charset="77"/>
-                <a:sym typeface="Wingdings" pitchFamily="2" charset="2"/>
-              </a:rPr>
-              <a:t>import "</a:t>
-            </a:r>
-            <a:r>
-              <a:rPr lang="en-US" sz="2000" dirty="0" err="1">
-                <a:latin typeface="American Typewriter" panose="02090604020004020304" pitchFamily="18" charset="77"/>
-                <a:sym typeface="Wingdings" pitchFamily="2" charset="2"/>
-              </a:rPr>
-              <a:t>fmt</a:t>
-            </a:r>
-            <a:r>
-              <a:rPr lang="en-US" sz="2000" dirty="0">
-                <a:latin typeface="American Typewriter" panose="02090604020004020304" pitchFamily="18" charset="77"/>
-                <a:sym typeface="Wingdings" pitchFamily="2" charset="2"/>
-              </a:rPr>
-              <a:t>"</a:t>
-            </a:r>
-          </a:p>
-          <a:p>
-            <a:pPr marL="1460500" lvl="3" indent="0">
-              <a:spcBef>
-                <a:spcPts val="0"/>
-              </a:spcBef>
-              <a:buNone/>
-            </a:pPr>
-            <a:r>
-              <a:rPr lang="en-US" sz="2000" dirty="0" err="1">
-                <a:latin typeface="American Typewriter" panose="02090604020004020304" pitchFamily="18" charset="77"/>
-                <a:sym typeface="Wingdings" pitchFamily="2" charset="2"/>
-              </a:rPr>
-              <a:t>func</a:t>
-            </a:r>
-            <a:r>
-              <a:rPr lang="en-US" sz="2000" dirty="0">
-                <a:latin typeface="American Typewriter" panose="02090604020004020304" pitchFamily="18" charset="77"/>
-                <a:sym typeface="Wingdings" pitchFamily="2" charset="2"/>
-              </a:rPr>
-              <a:t> </a:t>
-            </a:r>
-            <a:r>
-              <a:rPr lang="en-US" sz="2000" dirty="0" err="1">
-                <a:latin typeface="American Typewriter" panose="02090604020004020304" pitchFamily="18" charset="77"/>
-                <a:sym typeface="Wingdings" pitchFamily="2" charset="2"/>
-              </a:rPr>
-              <a:t>intSeq</a:t>
-            </a:r>
-            <a:r>
-              <a:rPr lang="en-US" sz="2000" dirty="0">
-                <a:latin typeface="American Typewriter" panose="02090604020004020304" pitchFamily="18" charset="77"/>
-                <a:sym typeface="Wingdings" pitchFamily="2" charset="2"/>
-              </a:rPr>
-              <a:t>() </a:t>
-            </a:r>
-            <a:r>
-              <a:rPr lang="en-US" sz="2000" dirty="0" err="1">
-                <a:latin typeface="American Typewriter" panose="02090604020004020304" pitchFamily="18" charset="77"/>
-                <a:sym typeface="Wingdings" pitchFamily="2" charset="2"/>
-              </a:rPr>
-              <a:t>func</a:t>
-            </a:r>
-            <a:r>
-              <a:rPr lang="en-US" sz="2000" dirty="0">
-                <a:latin typeface="American Typewriter" panose="02090604020004020304" pitchFamily="18" charset="77"/>
-                <a:sym typeface="Wingdings" pitchFamily="2" charset="2"/>
-              </a:rPr>
-              <a:t>() </a:t>
-            </a:r>
-            <a:r>
-              <a:rPr lang="en-US" sz="2000" dirty="0" err="1">
-                <a:latin typeface="American Typewriter" panose="02090604020004020304" pitchFamily="18" charset="77"/>
-                <a:sym typeface="Wingdings" pitchFamily="2" charset="2"/>
-              </a:rPr>
-              <a:t>int</a:t>
-            </a:r>
-            <a:r>
-              <a:rPr lang="en-US" sz="2000" dirty="0">
-                <a:latin typeface="American Typewriter" panose="02090604020004020304" pitchFamily="18" charset="77"/>
-                <a:sym typeface="Wingdings" pitchFamily="2" charset="2"/>
-              </a:rPr>
-              <a:t> {</a:t>
-            </a:r>
-          </a:p>
-          <a:p>
-            <a:pPr marL="1460500" lvl="3" indent="0">
-              <a:spcBef>
-                <a:spcPts val="0"/>
-              </a:spcBef>
-              <a:buNone/>
-            </a:pPr>
-            <a:r>
-              <a:rPr lang="en-US" sz="2000" dirty="0">
-                <a:latin typeface="American Typewriter" panose="02090604020004020304" pitchFamily="18" charset="77"/>
-                <a:sym typeface="Wingdings" pitchFamily="2" charset="2"/>
-              </a:rPr>
-              <a:t>    </a:t>
-            </a:r>
-            <a:r>
-              <a:rPr lang="en-US" sz="2000" dirty="0" err="1">
-                <a:latin typeface="American Typewriter" panose="02090604020004020304" pitchFamily="18" charset="77"/>
-                <a:sym typeface="Wingdings" pitchFamily="2" charset="2"/>
-              </a:rPr>
-              <a:t>i</a:t>
-            </a:r>
-            <a:r>
-              <a:rPr lang="en-US" sz="2000" dirty="0">
-                <a:latin typeface="American Typewriter" panose="02090604020004020304" pitchFamily="18" charset="77"/>
-                <a:sym typeface="Wingdings" pitchFamily="2" charset="2"/>
-              </a:rPr>
-              <a:t> := 0</a:t>
-            </a:r>
-          </a:p>
-          <a:p>
-            <a:pPr marL="1460500" lvl="3" indent="0">
-              <a:spcBef>
-                <a:spcPts val="0"/>
-              </a:spcBef>
-              <a:buNone/>
-            </a:pPr>
-            <a:r>
-              <a:rPr lang="en-US" sz="2000" dirty="0">
-                <a:latin typeface="American Typewriter" panose="02090604020004020304" pitchFamily="18" charset="77"/>
-                <a:sym typeface="Wingdings" pitchFamily="2" charset="2"/>
-              </a:rPr>
-              <a:t>    return </a:t>
-            </a:r>
-            <a:r>
-              <a:rPr lang="en-US" sz="2000" dirty="0" err="1">
-                <a:latin typeface="American Typewriter" panose="02090604020004020304" pitchFamily="18" charset="77"/>
-                <a:sym typeface="Wingdings" pitchFamily="2" charset="2"/>
-              </a:rPr>
-              <a:t>func</a:t>
-            </a:r>
-            <a:r>
-              <a:rPr lang="en-US" sz="2000" dirty="0">
-                <a:latin typeface="American Typewriter" panose="02090604020004020304" pitchFamily="18" charset="77"/>
-                <a:sym typeface="Wingdings" pitchFamily="2" charset="2"/>
-              </a:rPr>
-              <a:t>() </a:t>
-            </a:r>
-            <a:r>
-              <a:rPr lang="en-US" sz="2000" dirty="0" err="1">
-                <a:latin typeface="American Typewriter" panose="02090604020004020304" pitchFamily="18" charset="77"/>
-                <a:sym typeface="Wingdings" pitchFamily="2" charset="2"/>
-              </a:rPr>
-              <a:t>int</a:t>
-            </a:r>
-            <a:r>
-              <a:rPr lang="en-US" sz="2000" dirty="0">
-                <a:latin typeface="American Typewriter" panose="02090604020004020304" pitchFamily="18" charset="77"/>
-                <a:sym typeface="Wingdings" pitchFamily="2" charset="2"/>
-              </a:rPr>
-              <a:t> {</a:t>
-            </a:r>
-          </a:p>
-          <a:p>
-            <a:pPr marL="1460500" lvl="3" indent="0">
-              <a:spcBef>
-                <a:spcPts val="0"/>
-              </a:spcBef>
-              <a:buNone/>
-            </a:pPr>
-            <a:r>
-              <a:rPr lang="en-US" sz="2000" dirty="0">
-                <a:latin typeface="American Typewriter" panose="02090604020004020304" pitchFamily="18" charset="77"/>
-                <a:sym typeface="Wingdings" pitchFamily="2" charset="2"/>
-              </a:rPr>
-              <a:t>        </a:t>
-            </a:r>
-            <a:r>
-              <a:rPr lang="en-US" sz="2000" dirty="0" err="1">
-                <a:latin typeface="American Typewriter" panose="02090604020004020304" pitchFamily="18" charset="77"/>
-                <a:sym typeface="Wingdings" pitchFamily="2" charset="2"/>
-              </a:rPr>
-              <a:t>i</a:t>
-            </a:r>
-            <a:r>
-              <a:rPr lang="en-US" sz="2000" dirty="0">
-                <a:latin typeface="American Typewriter" panose="02090604020004020304" pitchFamily="18" charset="77"/>
-                <a:sym typeface="Wingdings" pitchFamily="2" charset="2"/>
-              </a:rPr>
-              <a:t>++</a:t>
-            </a:r>
-          </a:p>
-          <a:p>
-            <a:pPr marL="1460500" lvl="3" indent="0">
-              <a:spcBef>
-                <a:spcPts val="0"/>
-              </a:spcBef>
-              <a:buNone/>
-            </a:pPr>
-            <a:r>
-              <a:rPr lang="en-US" sz="2000" dirty="0">
-                <a:latin typeface="American Typewriter" panose="02090604020004020304" pitchFamily="18" charset="77"/>
-                <a:sym typeface="Wingdings" pitchFamily="2" charset="2"/>
-              </a:rPr>
-              <a:t>        return </a:t>
-            </a:r>
-            <a:r>
-              <a:rPr lang="en-US" sz="2000" dirty="0" err="1">
-                <a:latin typeface="American Typewriter" panose="02090604020004020304" pitchFamily="18" charset="77"/>
-                <a:sym typeface="Wingdings" pitchFamily="2" charset="2"/>
-              </a:rPr>
-              <a:t>i</a:t>
-            </a:r>
-            <a:endParaRPr lang="en-US" sz="2000" dirty="0">
+            <a:endParaRPr lang="en-US" dirty="0">
               <a:latin typeface="American Typewriter" panose="02090604020004020304" pitchFamily="18" charset="77"/>
-              <a:sym typeface="Wingdings" pitchFamily="2" charset="2"/>
-            </a:endParaRPr>
-          </a:p>
-          <a:p>
-            <a:pPr marL="1460500" lvl="3" indent="0">
-              <a:spcBef>
-                <a:spcPts val="0"/>
-              </a:spcBef>
-              <a:buNone/>
-            </a:pPr>
-            <a:r>
-              <a:rPr lang="en-US" sz="2000" dirty="0">
-                <a:latin typeface="American Typewriter" panose="02090604020004020304" pitchFamily="18" charset="77"/>
-                <a:sym typeface="Wingdings" pitchFamily="2" charset="2"/>
-              </a:rPr>
-              <a:t>    }</a:t>
-            </a:r>
-          </a:p>
-          <a:p>
-            <a:pPr marL="1460500" lvl="3" indent="0">
-              <a:spcBef>
-                <a:spcPts val="0"/>
-              </a:spcBef>
-              <a:buNone/>
-            </a:pPr>
-            <a:r>
-              <a:rPr lang="en-US" sz="2000" dirty="0">
-                <a:latin typeface="American Typewriter" panose="02090604020004020304" pitchFamily="18" charset="77"/>
-                <a:sym typeface="Wingdings" pitchFamily="2" charset="2"/>
-              </a:rPr>
-              <a:t>}</a:t>
-            </a:r>
-          </a:p>
-          <a:p>
-            <a:pPr lvl="1">
-              <a:spcBef>
-                <a:spcPts val="0"/>
-              </a:spcBef>
-            </a:pPr>
-            <a:endParaRPr lang="en-US" b="1" dirty="0">
-              <a:latin typeface="+mj-lt"/>
-              <a:sym typeface="Wingdings" pitchFamily="2" charset="2"/>
-            </a:endParaRPr>
-          </a:p>
-          <a:p>
-            <a:pPr lvl="1">
-              <a:spcBef>
-                <a:spcPts val="0"/>
-              </a:spcBef>
-            </a:pPr>
-            <a:endParaRPr lang="en-US" b="1" dirty="0">
-              <a:latin typeface="+mj-lt"/>
-              <a:sym typeface="Wingdings" pitchFamily="2" charset="2"/>
-            </a:endParaRPr>
-          </a:p>
-          <a:p>
-            <a:pPr marL="603250" lvl="1" indent="0">
-              <a:spcBef>
-                <a:spcPts val="0"/>
-              </a:spcBef>
-              <a:buNone/>
-            </a:pPr>
-            <a:endParaRPr lang="en-US" b="1" dirty="0">
-              <a:latin typeface="+mj-lt"/>
               <a:sym typeface="Wingdings" pitchFamily="2" charset="2"/>
             </a:endParaRPr>
           </a:p>
@@ -13347,10 +12945,10 @@
       </p:sp>
       <p:pic>
         <p:nvPicPr>
-          <p:cNvPr id="13314" name="Picture 2" descr="Image result for golang gopher">
+          <p:cNvPr id="14338" name="Picture 2" descr="Image result for golang gopher">
             <a:extLst>
               <a:ext uri="{FF2B5EF4-FFF2-40B4-BE49-F238E27FC236}">
-                <a16:creationId xmlns:a16="http://schemas.microsoft.com/office/drawing/2014/main" id="{FE63DBBD-E0F5-1D44-918E-DCF7DA808576}"/>
+                <a16:creationId xmlns:a16="http://schemas.microsoft.com/office/drawing/2014/main" id="{5C826376-ED67-C347-81AA-DF48C18E5F5B}"/>
               </a:ext>
             </a:extLst>
           </p:cNvPr>
@@ -13374,8 +12972,8 @@
         </p:blipFill>
         <p:spPr bwMode="auto">
           <a:xfrm>
-            <a:off x="4874967" y="4470400"/>
-            <a:ext cx="4013200" cy="2032000"/>
+            <a:off x="3398886" y="4647414"/>
+            <a:ext cx="2058186" cy="2058186"/>
           </a:xfrm>
           <a:prstGeom prst="rect">
             <a:avLst/>
@@ -13395,7 +12993,7 @@
     </p:spTree>
     <p:extLst>
       <p:ext uri="{BB962C8B-B14F-4D97-AF65-F5344CB8AC3E}">
-        <p14:creationId xmlns:p14="http://schemas.microsoft.com/office/powerpoint/2010/main" val="3841412380"/>
+        <p14:creationId xmlns:p14="http://schemas.microsoft.com/office/powerpoint/2010/main" val="2655408410"/>
       </p:ext>
     </p:extLst>
   </p:cSld>
@@ -13454,6 +13052,570 @@
               <a:buNone/>
             </a:pPr>
             <a:r>
+              <a:rPr lang="en-US"/>
+              <a:t>Golang: Functions- a few more notes</a:t>
+            </a:r>
+            <a:endParaRPr lang="en-US" dirty="0"/>
+          </a:p>
+        </p:txBody>
+      </p:sp>
+      <p:sp>
+        <p:nvSpPr>
+          <p:cNvPr id="115" name="Shape 115"/>
+          <p:cNvSpPr txBox="1">
+            <a:spLocks noGrp="1"/>
+          </p:cNvSpPr>
+          <p:nvPr>
+            <p:ph type="body" idx="1"/>
+          </p:nvPr>
+        </p:nvSpPr>
+        <p:spPr>
+          <a:xfrm>
+            <a:off x="76200" y="1371600"/>
+            <a:ext cx="8991600" cy="5029199"/>
+          </a:xfrm>
+          <a:prstGeom prst="rect">
+            <a:avLst/>
+          </a:prstGeom>
+        </p:spPr>
+        <p:txBody>
+          <a:bodyPr lIns="91425" tIns="91425" rIns="91425" bIns="91425" anchor="t" anchorCtr="0">
+            <a:noAutofit/>
+          </a:bodyPr>
+          <a:lstStyle/>
+          <a:p>
+            <a:pPr lvl="1">
+              <a:spcBef>
+                <a:spcPts val="0"/>
+              </a:spcBef>
+            </a:pPr>
+            <a:r>
+              <a:rPr lang="en-US" dirty="0">
+                <a:latin typeface="+mj-lt"/>
+                <a:sym typeface="Wingdings" pitchFamily="2" charset="2"/>
+              </a:rPr>
+              <a:t> Similar to one of the best things about Node/</a:t>
+            </a:r>
+            <a:r>
+              <a:rPr lang="en-US" dirty="0" err="1">
+                <a:latin typeface="+mj-lt"/>
+                <a:sym typeface="Wingdings" pitchFamily="2" charset="2"/>
+              </a:rPr>
+              <a:t>Javascript</a:t>
+            </a:r>
+            <a:r>
+              <a:rPr lang="en-US" dirty="0">
+                <a:latin typeface="+mj-lt"/>
+                <a:sym typeface="Wingdings" pitchFamily="2" charset="2"/>
+              </a:rPr>
+              <a:t>- </a:t>
+            </a:r>
+            <a:r>
+              <a:rPr lang="en-US" b="1" dirty="0">
+                <a:latin typeface="+mj-lt"/>
+                <a:sym typeface="Wingdings" pitchFamily="2" charset="2"/>
+              </a:rPr>
+              <a:t>Functions in go can be passed around just like any other value. </a:t>
+            </a:r>
+            <a:r>
+              <a:rPr lang="en-US" dirty="0">
+                <a:latin typeface="+mj-lt"/>
+                <a:sym typeface="Wingdings" pitchFamily="2" charset="2"/>
+              </a:rPr>
+              <a:t>This means that we can return </a:t>
+            </a:r>
+            <a:r>
+              <a:rPr lang="en-US" b="1" i="1" dirty="0">
+                <a:latin typeface="+mj-lt"/>
+                <a:sym typeface="Wingdings" pitchFamily="2" charset="2"/>
+              </a:rPr>
+              <a:t>anonymous functions</a:t>
+            </a:r>
+            <a:r>
+              <a:rPr lang="en-US" i="1" dirty="0">
+                <a:latin typeface="+mj-lt"/>
+                <a:sym typeface="Wingdings" pitchFamily="2" charset="2"/>
+              </a:rPr>
+              <a:t> </a:t>
+            </a:r>
+            <a:r>
+              <a:rPr lang="en-US" dirty="0">
+                <a:latin typeface="+mj-lt"/>
+                <a:sym typeface="Wingdings" pitchFamily="2" charset="2"/>
+              </a:rPr>
+              <a:t>which can form</a:t>
+            </a:r>
+            <a:r>
+              <a:rPr lang="en-US" b="1" dirty="0">
+                <a:latin typeface="+mj-lt"/>
+                <a:sym typeface="Wingdings" pitchFamily="2" charset="2"/>
+              </a:rPr>
+              <a:t> closures</a:t>
+            </a:r>
+          </a:p>
+          <a:p>
+            <a:pPr lvl="1">
+              <a:spcBef>
+                <a:spcPts val="0"/>
+              </a:spcBef>
+            </a:pPr>
+            <a:endParaRPr lang="en-US" b="1" dirty="0">
+              <a:latin typeface="+mj-lt"/>
+              <a:sym typeface="Wingdings" pitchFamily="2" charset="2"/>
+            </a:endParaRPr>
+          </a:p>
+          <a:p>
+            <a:pPr lvl="1">
+              <a:spcBef>
+                <a:spcPts val="0"/>
+              </a:spcBef>
+            </a:pPr>
+            <a:r>
+              <a:rPr lang="en-US" b="1" dirty="0">
+                <a:latin typeface="+mj-lt"/>
+                <a:sym typeface="Wingdings" pitchFamily="2" charset="2"/>
+              </a:rPr>
+              <a:t> </a:t>
+            </a:r>
+            <a:r>
+              <a:rPr lang="en-US" dirty="0">
+                <a:latin typeface="+mj-lt"/>
+                <a:sym typeface="Wingdings" pitchFamily="2" charset="2"/>
+              </a:rPr>
+              <a:t>When you return a </a:t>
+            </a:r>
+            <a:r>
+              <a:rPr lang="en-US" b="1" dirty="0">
+                <a:latin typeface="+mj-lt"/>
+                <a:sym typeface="Wingdings" pitchFamily="2" charset="2"/>
+              </a:rPr>
+              <a:t>function</a:t>
+            </a:r>
+            <a:r>
+              <a:rPr lang="en-US" dirty="0">
+                <a:latin typeface="+mj-lt"/>
+                <a:sym typeface="Wingdings" pitchFamily="2" charset="2"/>
+              </a:rPr>
+              <a:t> you use the keywords for </a:t>
+            </a:r>
+            <a:r>
+              <a:rPr lang="en-US" b="1" dirty="0">
+                <a:latin typeface="+mj-lt"/>
+                <a:sym typeface="Wingdings" pitchFamily="2" charset="2"/>
+              </a:rPr>
+              <a:t>both the function and the return from that function</a:t>
+            </a:r>
+          </a:p>
+          <a:p>
+            <a:pPr marL="1460500" lvl="3" indent="0">
+              <a:spcBef>
+                <a:spcPts val="0"/>
+              </a:spcBef>
+              <a:buNone/>
+            </a:pPr>
+            <a:r>
+              <a:rPr lang="en-US" sz="2000" dirty="0">
+                <a:latin typeface="American Typewriter" panose="02090604020004020304" pitchFamily="18" charset="77"/>
+                <a:sym typeface="Wingdings" pitchFamily="2" charset="2"/>
+              </a:rPr>
+              <a:t>package main</a:t>
+            </a:r>
+          </a:p>
+          <a:p>
+            <a:pPr marL="1460500" lvl="3" indent="0">
+              <a:spcBef>
+                <a:spcPts val="0"/>
+              </a:spcBef>
+              <a:buNone/>
+            </a:pPr>
+            <a:r>
+              <a:rPr lang="en-US" sz="2000" dirty="0">
+                <a:latin typeface="American Typewriter" panose="02090604020004020304" pitchFamily="18" charset="77"/>
+                <a:sym typeface="Wingdings" pitchFamily="2" charset="2"/>
+              </a:rPr>
+              <a:t>import "</a:t>
+            </a:r>
+            <a:r>
+              <a:rPr lang="en-US" sz="2000" dirty="0" err="1">
+                <a:latin typeface="American Typewriter" panose="02090604020004020304" pitchFamily="18" charset="77"/>
+                <a:sym typeface="Wingdings" pitchFamily="2" charset="2"/>
+              </a:rPr>
+              <a:t>fmt</a:t>
+            </a:r>
+            <a:r>
+              <a:rPr lang="en-US" sz="2000" dirty="0">
+                <a:latin typeface="American Typewriter" panose="02090604020004020304" pitchFamily="18" charset="77"/>
+                <a:sym typeface="Wingdings" pitchFamily="2" charset="2"/>
+              </a:rPr>
+              <a:t>"</a:t>
+            </a:r>
+          </a:p>
+          <a:p>
+            <a:pPr marL="1460500" lvl="3" indent="0">
+              <a:spcBef>
+                <a:spcPts val="0"/>
+              </a:spcBef>
+              <a:buNone/>
+            </a:pPr>
+            <a:r>
+              <a:rPr lang="en-US" sz="2000" dirty="0" err="1">
+                <a:latin typeface="American Typewriter" panose="02090604020004020304" pitchFamily="18" charset="77"/>
+                <a:sym typeface="Wingdings" pitchFamily="2" charset="2"/>
+              </a:rPr>
+              <a:t>func</a:t>
+            </a:r>
+            <a:r>
+              <a:rPr lang="en-US" sz="2000" dirty="0">
+                <a:latin typeface="American Typewriter" panose="02090604020004020304" pitchFamily="18" charset="77"/>
+                <a:sym typeface="Wingdings" pitchFamily="2" charset="2"/>
+              </a:rPr>
+              <a:t> </a:t>
+            </a:r>
+            <a:r>
+              <a:rPr lang="en-US" sz="2000" dirty="0" err="1">
+                <a:latin typeface="American Typewriter" panose="02090604020004020304" pitchFamily="18" charset="77"/>
+                <a:sym typeface="Wingdings" pitchFamily="2" charset="2"/>
+              </a:rPr>
+              <a:t>intSeq</a:t>
+            </a:r>
+            <a:r>
+              <a:rPr lang="en-US" sz="2000" dirty="0">
+                <a:latin typeface="American Typewriter" panose="02090604020004020304" pitchFamily="18" charset="77"/>
+                <a:sym typeface="Wingdings" pitchFamily="2" charset="2"/>
+              </a:rPr>
+              <a:t>() </a:t>
+            </a:r>
+            <a:r>
+              <a:rPr lang="en-US" sz="2000" dirty="0" err="1">
+                <a:latin typeface="American Typewriter" panose="02090604020004020304" pitchFamily="18" charset="77"/>
+                <a:sym typeface="Wingdings" pitchFamily="2" charset="2"/>
+              </a:rPr>
+              <a:t>func</a:t>
+            </a:r>
+            <a:r>
+              <a:rPr lang="en-US" sz="2000" dirty="0">
+                <a:latin typeface="American Typewriter" panose="02090604020004020304" pitchFamily="18" charset="77"/>
+                <a:sym typeface="Wingdings" pitchFamily="2" charset="2"/>
+              </a:rPr>
+              <a:t>() </a:t>
+            </a:r>
+            <a:r>
+              <a:rPr lang="en-US" sz="2000" dirty="0" err="1">
+                <a:latin typeface="American Typewriter" panose="02090604020004020304" pitchFamily="18" charset="77"/>
+                <a:sym typeface="Wingdings" pitchFamily="2" charset="2"/>
+              </a:rPr>
+              <a:t>int</a:t>
+            </a:r>
+            <a:r>
+              <a:rPr lang="en-US" sz="2000" dirty="0">
+                <a:latin typeface="American Typewriter" panose="02090604020004020304" pitchFamily="18" charset="77"/>
+                <a:sym typeface="Wingdings" pitchFamily="2" charset="2"/>
+              </a:rPr>
+              <a:t> {</a:t>
+            </a:r>
+          </a:p>
+          <a:p>
+            <a:pPr marL="1460500" lvl="3" indent="0">
+              <a:spcBef>
+                <a:spcPts val="0"/>
+              </a:spcBef>
+              <a:buNone/>
+            </a:pPr>
+            <a:r>
+              <a:rPr lang="en-US" sz="2000" dirty="0">
+                <a:latin typeface="American Typewriter" panose="02090604020004020304" pitchFamily="18" charset="77"/>
+                <a:sym typeface="Wingdings" pitchFamily="2" charset="2"/>
+              </a:rPr>
+              <a:t>    </a:t>
+            </a:r>
+            <a:r>
+              <a:rPr lang="en-US" sz="2000" dirty="0" err="1">
+                <a:latin typeface="American Typewriter" panose="02090604020004020304" pitchFamily="18" charset="77"/>
+                <a:sym typeface="Wingdings" pitchFamily="2" charset="2"/>
+              </a:rPr>
+              <a:t>i</a:t>
+            </a:r>
+            <a:r>
+              <a:rPr lang="en-US" sz="2000" dirty="0">
+                <a:latin typeface="American Typewriter" panose="02090604020004020304" pitchFamily="18" charset="77"/>
+                <a:sym typeface="Wingdings" pitchFamily="2" charset="2"/>
+              </a:rPr>
+              <a:t> := 0</a:t>
+            </a:r>
+          </a:p>
+          <a:p>
+            <a:pPr marL="1460500" lvl="3" indent="0">
+              <a:spcBef>
+                <a:spcPts val="0"/>
+              </a:spcBef>
+              <a:buNone/>
+            </a:pPr>
+            <a:r>
+              <a:rPr lang="en-US" sz="2000" dirty="0">
+                <a:latin typeface="American Typewriter" panose="02090604020004020304" pitchFamily="18" charset="77"/>
+                <a:sym typeface="Wingdings" pitchFamily="2" charset="2"/>
+              </a:rPr>
+              <a:t>    return </a:t>
+            </a:r>
+            <a:r>
+              <a:rPr lang="en-US" sz="2000" dirty="0" err="1">
+                <a:latin typeface="American Typewriter" panose="02090604020004020304" pitchFamily="18" charset="77"/>
+                <a:sym typeface="Wingdings" pitchFamily="2" charset="2"/>
+              </a:rPr>
+              <a:t>func</a:t>
+            </a:r>
+            <a:r>
+              <a:rPr lang="en-US" sz="2000" dirty="0">
+                <a:latin typeface="American Typewriter" panose="02090604020004020304" pitchFamily="18" charset="77"/>
+                <a:sym typeface="Wingdings" pitchFamily="2" charset="2"/>
+              </a:rPr>
+              <a:t>() </a:t>
+            </a:r>
+            <a:r>
+              <a:rPr lang="en-US" sz="2000" dirty="0" err="1">
+                <a:latin typeface="American Typewriter" panose="02090604020004020304" pitchFamily="18" charset="77"/>
+                <a:sym typeface="Wingdings" pitchFamily="2" charset="2"/>
+              </a:rPr>
+              <a:t>int</a:t>
+            </a:r>
+            <a:r>
+              <a:rPr lang="en-US" sz="2000" dirty="0">
+                <a:latin typeface="American Typewriter" panose="02090604020004020304" pitchFamily="18" charset="77"/>
+                <a:sym typeface="Wingdings" pitchFamily="2" charset="2"/>
+              </a:rPr>
+              <a:t> {</a:t>
+            </a:r>
+          </a:p>
+          <a:p>
+            <a:pPr marL="1460500" lvl="3" indent="0">
+              <a:spcBef>
+                <a:spcPts val="0"/>
+              </a:spcBef>
+              <a:buNone/>
+            </a:pPr>
+            <a:r>
+              <a:rPr lang="en-US" sz="2000" dirty="0">
+                <a:latin typeface="American Typewriter" panose="02090604020004020304" pitchFamily="18" charset="77"/>
+                <a:sym typeface="Wingdings" pitchFamily="2" charset="2"/>
+              </a:rPr>
+              <a:t>        </a:t>
+            </a:r>
+            <a:r>
+              <a:rPr lang="en-US" sz="2000" dirty="0" err="1">
+                <a:latin typeface="American Typewriter" panose="02090604020004020304" pitchFamily="18" charset="77"/>
+                <a:sym typeface="Wingdings" pitchFamily="2" charset="2"/>
+              </a:rPr>
+              <a:t>i</a:t>
+            </a:r>
+            <a:r>
+              <a:rPr lang="en-US" sz="2000" dirty="0">
+                <a:latin typeface="American Typewriter" panose="02090604020004020304" pitchFamily="18" charset="77"/>
+                <a:sym typeface="Wingdings" pitchFamily="2" charset="2"/>
+              </a:rPr>
+              <a:t>++</a:t>
+            </a:r>
+          </a:p>
+          <a:p>
+            <a:pPr marL="1460500" lvl="3" indent="0">
+              <a:spcBef>
+                <a:spcPts val="0"/>
+              </a:spcBef>
+              <a:buNone/>
+            </a:pPr>
+            <a:r>
+              <a:rPr lang="en-US" sz="2000" dirty="0">
+                <a:latin typeface="American Typewriter" panose="02090604020004020304" pitchFamily="18" charset="77"/>
+                <a:sym typeface="Wingdings" pitchFamily="2" charset="2"/>
+              </a:rPr>
+              <a:t>        return </a:t>
+            </a:r>
+            <a:r>
+              <a:rPr lang="en-US" sz="2000" dirty="0" err="1">
+                <a:latin typeface="American Typewriter" panose="02090604020004020304" pitchFamily="18" charset="77"/>
+                <a:sym typeface="Wingdings" pitchFamily="2" charset="2"/>
+              </a:rPr>
+              <a:t>i</a:t>
+            </a:r>
+            <a:endParaRPr lang="en-US" sz="2000" dirty="0">
+              <a:latin typeface="American Typewriter" panose="02090604020004020304" pitchFamily="18" charset="77"/>
+              <a:sym typeface="Wingdings" pitchFamily="2" charset="2"/>
+            </a:endParaRPr>
+          </a:p>
+          <a:p>
+            <a:pPr marL="1460500" lvl="3" indent="0">
+              <a:spcBef>
+                <a:spcPts val="0"/>
+              </a:spcBef>
+              <a:buNone/>
+            </a:pPr>
+            <a:r>
+              <a:rPr lang="en-US" sz="2000" dirty="0">
+                <a:latin typeface="American Typewriter" panose="02090604020004020304" pitchFamily="18" charset="77"/>
+                <a:sym typeface="Wingdings" pitchFamily="2" charset="2"/>
+              </a:rPr>
+              <a:t>    }</a:t>
+            </a:r>
+          </a:p>
+          <a:p>
+            <a:pPr marL="1460500" lvl="3" indent="0">
+              <a:spcBef>
+                <a:spcPts val="0"/>
+              </a:spcBef>
+              <a:buNone/>
+            </a:pPr>
+            <a:r>
+              <a:rPr lang="en-US" sz="2000" dirty="0">
+                <a:latin typeface="American Typewriter" panose="02090604020004020304" pitchFamily="18" charset="77"/>
+                <a:sym typeface="Wingdings" pitchFamily="2" charset="2"/>
+              </a:rPr>
+              <a:t>}</a:t>
+            </a:r>
+          </a:p>
+          <a:p>
+            <a:pPr lvl="1">
+              <a:spcBef>
+                <a:spcPts val="0"/>
+              </a:spcBef>
+            </a:pPr>
+            <a:endParaRPr lang="en-US" b="1" dirty="0">
+              <a:latin typeface="+mj-lt"/>
+              <a:sym typeface="Wingdings" pitchFamily="2" charset="2"/>
+            </a:endParaRPr>
+          </a:p>
+          <a:p>
+            <a:pPr lvl="1">
+              <a:spcBef>
+                <a:spcPts val="0"/>
+              </a:spcBef>
+            </a:pPr>
+            <a:endParaRPr lang="en-US" b="1" dirty="0">
+              <a:latin typeface="+mj-lt"/>
+              <a:sym typeface="Wingdings" pitchFamily="2" charset="2"/>
+            </a:endParaRPr>
+          </a:p>
+          <a:p>
+            <a:pPr marL="603250" lvl="1" indent="0">
+              <a:spcBef>
+                <a:spcPts val="0"/>
+              </a:spcBef>
+              <a:buNone/>
+            </a:pPr>
+            <a:endParaRPr lang="en-US" b="1" dirty="0">
+              <a:latin typeface="+mj-lt"/>
+              <a:sym typeface="Wingdings" pitchFamily="2" charset="2"/>
+            </a:endParaRPr>
+          </a:p>
+        </p:txBody>
+      </p:sp>
+      <p:pic>
+        <p:nvPicPr>
+          <p:cNvPr id="13314" name="Picture 2" descr="Image result for golang gopher">
+            <a:extLst>
+              <a:ext uri="{FF2B5EF4-FFF2-40B4-BE49-F238E27FC236}">
+                <a16:creationId xmlns:a16="http://schemas.microsoft.com/office/drawing/2014/main" id="{FE63DBBD-E0F5-1D44-918E-DCF7DA808576}"/>
+              </a:ext>
+            </a:extLst>
+          </p:cNvPr>
+          <p:cNvPicPr>
+            <a:picLocks noChangeAspect="1" noChangeArrowheads="1"/>
+          </p:cNvPicPr>
+          <p:nvPr/>
+        </p:nvPicPr>
+        <p:blipFill>
+          <a:blip r:embed="rId3">
+            <a:extLst>
+              <a:ext uri="{28A0092B-C50C-407E-A947-70E740481C1C}">
+                <a14:useLocalDpi xmlns:a14="http://schemas.microsoft.com/office/drawing/2010/main" val="0"/>
+              </a:ext>
+            </a:extLst>
+          </a:blip>
+          <a:srcRect/>
+          <a:stretch>
+            <a:fillRect/>
+          </a:stretch>
+        </p:blipFill>
+        <p:spPr bwMode="auto">
+          <a:xfrm>
+            <a:off x="4874967" y="4470400"/>
+            <a:ext cx="4013200" cy="2032000"/>
+          </a:xfrm>
+          <a:prstGeom prst="rect">
+            <a:avLst/>
+          </a:prstGeom>
+          <a:noFill/>
+          <a:extLst>
+            <a:ext uri="{909E8E84-426E-40DD-AFC4-6F175D3DCCD1}">
+              <a14:hiddenFill xmlns:a14="http://schemas.microsoft.com/office/drawing/2010/main">
+                <a:solidFill>
+                  <a:srgbClr val="FFFFFF"/>
+                </a:solidFill>
+              </a14:hiddenFill>
+            </a:ext>
+          </a:extLst>
+        </p:spPr>
+      </p:pic>
+    </p:spTree>
+    <p:extLst>
+      <p:ext uri="{BB962C8B-B14F-4D97-AF65-F5344CB8AC3E}">
+        <p14:creationId xmlns:p14="http://schemas.microsoft.com/office/powerpoint/2010/main" val="3841412380"/>
+      </p:ext>
+    </p:extLst>
+  </p:cSld>
+  <p:clrMapOvr>
+    <a:masterClrMapping/>
+  </p:clrMapOvr>
+</p:sld>
+</file>
+
+<file path=ppt/slides/slide24.xml><?xml version="1.0" encoding="utf-8"?>
+<p:sld xmlns:a="http://schemas.openxmlformats.org/drawingml/2006/main" xmlns:r="http://schemas.openxmlformats.org/officeDocument/2006/relationships" xmlns:p="http://schemas.openxmlformats.org/presentationml/2006/main">
+  <p:cSld>
+    <p:spTree>
+      <p:nvGrpSpPr>
+        <p:cNvPr id="1" name="Shape 113"/>
+        <p:cNvGrpSpPr/>
+        <p:nvPr/>
+      </p:nvGrpSpPr>
+      <p:grpSpPr>
+        <a:xfrm>
+          <a:off x="0" y="0"/>
+          <a:ext cx="0" cy="0"/>
+          <a:chOff x="0" y="0"/>
+          <a:chExt cx="0" cy="0"/>
+        </a:xfrm>
+      </p:grpSpPr>
+      <p:sp>
+        <p:nvSpPr>
+          <p:cNvPr id="114" name="Shape 114"/>
+          <p:cNvSpPr txBox="1">
+            <a:spLocks noGrp="1"/>
+          </p:cNvSpPr>
+          <p:nvPr>
+            <p:ph type="title"/>
+          </p:nvPr>
+        </p:nvSpPr>
+        <p:spPr>
+          <a:xfrm>
+            <a:off x="76200" y="152400"/>
+            <a:ext cx="8991600" cy="671400"/>
+          </a:xfrm>
+          <a:prstGeom prst="rect">
+            <a:avLst/>
+          </a:prstGeom>
+        </p:spPr>
+        <p:txBody>
+          <a:bodyPr lIns="91425" tIns="91425" rIns="91425" bIns="91425" anchor="ctr" anchorCtr="0">
+            <a:noAutofit/>
+          </a:bodyPr>
+          <a:lstStyle/>
+          <a:p>
+            <a:pPr lvl="0">
+              <a:spcBef>
+                <a:spcPts val="0"/>
+              </a:spcBef>
+              <a:buNone/>
+            </a:pPr>
+            <a:r>
               <a:rPr lang="en-US" dirty="0"/>
               <a:t>Golang: Functions- The INIT() function</a:t>
             </a:r>
@@ -13735,7 +13897,7 @@
 </p:sld>
 </file>
 
-<file path=ppt/slides/slide24.xml><?xml version="1.0" encoding="utf-8"?>
+<file path=ppt/slides/slide25.xml><?xml version="1.0" encoding="utf-8"?>
 <p:sld xmlns:a="http://schemas.openxmlformats.org/drawingml/2006/main" xmlns:r="http://schemas.openxmlformats.org/officeDocument/2006/relationships" xmlns:p="http://schemas.openxmlformats.org/presentationml/2006/main">
   <p:cSld>
     <p:spTree>
@@ -13894,7 +14056,7 @@
 </p:sld>
 </file>
 
-<file path=ppt/slides/slide25.xml><?xml version="1.0" encoding="utf-8"?>
+<file path=ppt/slides/slide26.xml><?xml version="1.0" encoding="utf-8"?>
 <p:sld xmlns:a="http://schemas.openxmlformats.org/drawingml/2006/main" xmlns:r="http://schemas.openxmlformats.org/officeDocument/2006/relationships" xmlns:p="http://schemas.openxmlformats.org/presentationml/2006/main">
   <p:cSld>
     <p:spTree>
@@ -14039,7 +14201,7 @@
 </p:sld>
 </file>
 
-<file path=ppt/slides/slide26.xml><?xml version="1.0" encoding="utf-8"?>
+<file path=ppt/slides/slide27.xml><?xml version="1.0" encoding="utf-8"?>
 <p:sld xmlns:a="http://schemas.openxmlformats.org/drawingml/2006/main" xmlns:r="http://schemas.openxmlformats.org/officeDocument/2006/relationships" xmlns:p="http://schemas.openxmlformats.org/presentationml/2006/main">
   <p:cSld>
     <p:spTree>
@@ -14264,7 +14426,7 @@
 </p:sld>
 </file>
 
-<file path=ppt/slides/slide27.xml><?xml version="1.0" encoding="utf-8"?>
+<file path=ppt/slides/slide28.xml><?xml version="1.0" encoding="utf-8"?>
 <p:sld xmlns:a="http://schemas.openxmlformats.org/drawingml/2006/main" xmlns:r="http://schemas.openxmlformats.org/officeDocument/2006/relationships" xmlns:p="http://schemas.openxmlformats.org/presentationml/2006/main">
   <p:cSld>
     <p:spTree>
@@ -14413,7 +14575,7 @@
 </p:sld>
 </file>
 
-<file path=ppt/slides/slide28.xml><?xml version="1.0" encoding="utf-8"?>
+<file path=ppt/slides/slide29.xml><?xml version="1.0" encoding="utf-8"?>
 <p:sld xmlns:a="http://schemas.openxmlformats.org/drawingml/2006/main" xmlns:r="http://schemas.openxmlformats.org/officeDocument/2006/relationships" xmlns:p="http://schemas.openxmlformats.org/presentationml/2006/main">
   <p:cSld>
     <p:spTree>
@@ -14676,311 +14838,6 @@
     <p:extLst>
       <p:ext uri="{BB962C8B-B14F-4D97-AF65-F5344CB8AC3E}">
         <p14:creationId xmlns:p14="http://schemas.microsoft.com/office/powerpoint/2010/main" val="3930291286"/>
-      </p:ext>
-    </p:extLst>
-  </p:cSld>
-  <p:clrMapOvr>
-    <a:masterClrMapping/>
-  </p:clrMapOvr>
-</p:sld>
-</file>
-
-<file path=ppt/slides/slide29.xml><?xml version="1.0" encoding="utf-8"?>
-<p:sld xmlns:a="http://schemas.openxmlformats.org/drawingml/2006/main" xmlns:r="http://schemas.openxmlformats.org/officeDocument/2006/relationships" xmlns:p="http://schemas.openxmlformats.org/presentationml/2006/main">
-  <p:cSld>
-    <p:spTree>
-      <p:nvGrpSpPr>
-        <p:cNvPr id="1" name=""/>
-        <p:cNvGrpSpPr/>
-        <p:nvPr/>
-      </p:nvGrpSpPr>
-      <p:grpSpPr>
-        <a:xfrm>
-          <a:off x="0" y="0"/>
-          <a:ext cx="0" cy="0"/>
-          <a:chOff x="0" y="0"/>
-          <a:chExt cx="0" cy="0"/>
-        </a:xfrm>
-      </p:grpSpPr>
-      <p:sp>
-        <p:nvSpPr>
-          <p:cNvPr id="2" name="Title 1">
-            <a:extLst>
-              <a:ext uri="{FF2B5EF4-FFF2-40B4-BE49-F238E27FC236}">
-                <a16:creationId xmlns:a16="http://schemas.microsoft.com/office/drawing/2014/main" id="{C9EF8AB0-51F7-EC4F-99DC-E977C14CC02A}"/>
-              </a:ext>
-            </a:extLst>
-          </p:cNvPr>
-          <p:cNvSpPr>
-            <a:spLocks noGrp="1"/>
-          </p:cNvSpPr>
-          <p:nvPr>
-            <p:ph type="title"/>
-          </p:nvPr>
-        </p:nvSpPr>
-        <p:spPr/>
-        <p:txBody>
-          <a:bodyPr/>
-          <a:lstStyle/>
-          <a:p>
-            <a:r>
-              <a:rPr lang="en-US" dirty="0"/>
-              <a:t>Error Handling- making our own</a:t>
-            </a:r>
-          </a:p>
-        </p:txBody>
-      </p:sp>
-      <p:sp>
-        <p:nvSpPr>
-          <p:cNvPr id="3" name="Text Placeholder 2">
-            <a:extLst>
-              <a:ext uri="{FF2B5EF4-FFF2-40B4-BE49-F238E27FC236}">
-                <a16:creationId xmlns:a16="http://schemas.microsoft.com/office/drawing/2014/main" id="{0D9D76DA-F9BA-C041-86C2-2A86B8B75D51}"/>
-              </a:ext>
-            </a:extLst>
-          </p:cNvPr>
-          <p:cNvSpPr>
-            <a:spLocks noGrp="1"/>
-          </p:cNvSpPr>
-          <p:nvPr>
-            <p:ph type="body" idx="1"/>
-          </p:nvPr>
-        </p:nvSpPr>
-        <p:spPr/>
-        <p:txBody>
-          <a:bodyPr/>
-          <a:lstStyle/>
-          <a:p>
-            <a:r>
-              <a:rPr lang="en-US" dirty="0"/>
-              <a:t> So- GO is not as advanced as a lot of languages on the error handling front. This means that you might have to create your own error handling methods.</a:t>
-            </a:r>
-          </a:p>
-          <a:p>
-            <a:r>
-              <a:rPr lang="en-US" dirty="0"/>
-              <a:t>For most standard go functions look like this:</a:t>
-            </a:r>
-          </a:p>
-          <a:p>
-            <a:pPr marL="177800" indent="0">
-              <a:buNone/>
-            </a:pPr>
-            <a:endParaRPr lang="en-US" dirty="0"/>
-          </a:p>
-          <a:p>
-            <a:pPr marL="177800" indent="0">
-              <a:buNone/>
-            </a:pPr>
-            <a:r>
-              <a:rPr lang="en-US" sz="2000" dirty="0" err="1">
-                <a:highlight>
-                  <a:srgbClr val="FFFF00"/>
-                </a:highlight>
-                <a:latin typeface="American Typewriter" panose="02090604020004020304" pitchFamily="18" charset="77"/>
-              </a:rPr>
-              <a:t>func</a:t>
-            </a:r>
-            <a:r>
-              <a:rPr lang="en-US" sz="2000" dirty="0">
-                <a:highlight>
-                  <a:srgbClr val="FFFF00"/>
-                </a:highlight>
-                <a:latin typeface="American Typewriter" panose="02090604020004020304" pitchFamily="18" charset="77"/>
-              </a:rPr>
-              <a:t> f1(</a:t>
-            </a:r>
-            <a:r>
-              <a:rPr lang="en-US" sz="2000" dirty="0" err="1">
-                <a:highlight>
-                  <a:srgbClr val="FFFF00"/>
-                </a:highlight>
-                <a:latin typeface="American Typewriter" panose="02090604020004020304" pitchFamily="18" charset="77"/>
-              </a:rPr>
-              <a:t>arg</a:t>
-            </a:r>
-            <a:r>
-              <a:rPr lang="en-US" sz="2000" dirty="0">
-                <a:highlight>
-                  <a:srgbClr val="FFFF00"/>
-                </a:highlight>
-                <a:latin typeface="American Typewriter" panose="02090604020004020304" pitchFamily="18" charset="77"/>
-              </a:rPr>
-              <a:t> </a:t>
-            </a:r>
-            <a:r>
-              <a:rPr lang="en-US" sz="2000" dirty="0" err="1">
-                <a:highlight>
-                  <a:srgbClr val="FFFF00"/>
-                </a:highlight>
-                <a:latin typeface="American Typewriter" panose="02090604020004020304" pitchFamily="18" charset="77"/>
-              </a:rPr>
-              <a:t>int</a:t>
-            </a:r>
-            <a:r>
-              <a:rPr lang="en-US" sz="2000" dirty="0">
-                <a:highlight>
-                  <a:srgbClr val="FFFF00"/>
-                </a:highlight>
-                <a:latin typeface="American Typewriter" panose="02090604020004020304" pitchFamily="18" charset="77"/>
-              </a:rPr>
-              <a:t>) (</a:t>
-            </a:r>
-            <a:r>
-              <a:rPr lang="en-US" sz="2000" dirty="0" err="1">
-                <a:highlight>
-                  <a:srgbClr val="FFFF00"/>
-                </a:highlight>
-                <a:latin typeface="American Typewriter" panose="02090604020004020304" pitchFamily="18" charset="77"/>
-              </a:rPr>
-              <a:t>int</a:t>
-            </a:r>
-            <a:r>
-              <a:rPr lang="en-US" sz="2000" dirty="0">
-                <a:highlight>
-                  <a:srgbClr val="FFFF00"/>
-                </a:highlight>
-                <a:latin typeface="American Typewriter" panose="02090604020004020304" pitchFamily="18" charset="77"/>
-              </a:rPr>
-              <a:t>, error) {</a:t>
-            </a:r>
-          </a:p>
-          <a:p>
-            <a:pPr marL="177800" indent="0">
-              <a:buNone/>
-            </a:pPr>
-            <a:r>
-              <a:rPr lang="en-US" sz="2000" dirty="0">
-                <a:highlight>
-                  <a:srgbClr val="FFFF00"/>
-                </a:highlight>
-                <a:latin typeface="American Typewriter" panose="02090604020004020304" pitchFamily="18" charset="77"/>
-              </a:rPr>
-              <a:t>	if </a:t>
-            </a:r>
-            <a:r>
-              <a:rPr lang="en-US" sz="2000" dirty="0" err="1">
-                <a:highlight>
-                  <a:srgbClr val="FFFF00"/>
-                </a:highlight>
-                <a:latin typeface="American Typewriter" panose="02090604020004020304" pitchFamily="18" charset="77"/>
-              </a:rPr>
-              <a:t>arg</a:t>
-            </a:r>
-            <a:r>
-              <a:rPr lang="en-US" sz="2000" dirty="0">
-                <a:highlight>
-                  <a:srgbClr val="FFFF00"/>
-                </a:highlight>
-                <a:latin typeface="American Typewriter" panose="02090604020004020304" pitchFamily="18" charset="77"/>
-              </a:rPr>
-              <a:t> == 42 {</a:t>
-            </a:r>
-          </a:p>
-          <a:p>
-            <a:pPr marL="177800" indent="0">
-              <a:buNone/>
-            </a:pPr>
-            <a:r>
-              <a:rPr lang="en-US" sz="2000" dirty="0">
-                <a:highlight>
-                  <a:srgbClr val="FFFF00"/>
-                </a:highlight>
-                <a:latin typeface="American Typewriter" panose="02090604020004020304" pitchFamily="18" charset="77"/>
-              </a:rPr>
-              <a:t>		return -1, </a:t>
-            </a:r>
-            <a:r>
-              <a:rPr lang="en-US" sz="2000" dirty="0" err="1">
-                <a:highlight>
-                  <a:srgbClr val="FFFF00"/>
-                </a:highlight>
-                <a:latin typeface="American Typewriter" panose="02090604020004020304" pitchFamily="18" charset="77"/>
-              </a:rPr>
-              <a:t>errors.New</a:t>
-            </a:r>
-            <a:r>
-              <a:rPr lang="en-US" sz="2000" dirty="0">
-                <a:highlight>
-                  <a:srgbClr val="FFFF00"/>
-                </a:highlight>
-                <a:latin typeface="American Typewriter" panose="02090604020004020304" pitchFamily="18" charset="77"/>
-              </a:rPr>
-              <a:t>("can't work with 42")</a:t>
-            </a:r>
-          </a:p>
-          <a:p>
-            <a:pPr marL="177800" indent="0">
-              <a:buNone/>
-            </a:pPr>
-            <a:r>
-              <a:rPr lang="en-US" sz="2000" dirty="0">
-                <a:highlight>
-                  <a:srgbClr val="FFFF00"/>
-                </a:highlight>
-                <a:latin typeface="American Typewriter" panose="02090604020004020304" pitchFamily="18" charset="77"/>
-              </a:rPr>
-              <a:t>}</a:t>
-            </a:r>
-          </a:p>
-          <a:p>
-            <a:pPr marL="177800" indent="0">
-              <a:buNone/>
-            </a:pPr>
-            <a:r>
-              <a:rPr lang="en-US" sz="2000" dirty="0">
-                <a:highlight>
-                  <a:srgbClr val="FFFF00"/>
-                </a:highlight>
-                <a:latin typeface="American Typewriter" panose="02090604020004020304" pitchFamily="18" charset="77"/>
-              </a:rPr>
-              <a:t>	return </a:t>
-            </a:r>
-            <a:r>
-              <a:rPr lang="en-US" sz="2000" dirty="0" err="1">
-                <a:highlight>
-                  <a:srgbClr val="FFFF00"/>
-                </a:highlight>
-                <a:latin typeface="American Typewriter" panose="02090604020004020304" pitchFamily="18" charset="77"/>
-              </a:rPr>
-              <a:t>arg</a:t>
-            </a:r>
-            <a:r>
-              <a:rPr lang="en-US" sz="2000" dirty="0">
-                <a:highlight>
-                  <a:srgbClr val="FFFF00"/>
-                </a:highlight>
-                <a:latin typeface="American Typewriter" panose="02090604020004020304" pitchFamily="18" charset="77"/>
-              </a:rPr>
-              <a:t> + 3, nil</a:t>
-            </a:r>
-          </a:p>
-          <a:p>
-            <a:pPr marL="177800" indent="0">
-              <a:buNone/>
-            </a:pPr>
-            <a:r>
-              <a:rPr lang="en-US" sz="2000" dirty="0">
-                <a:highlight>
-                  <a:srgbClr val="FFFF00"/>
-                </a:highlight>
-                <a:latin typeface="American Typewriter" panose="02090604020004020304" pitchFamily="18" charset="77"/>
-              </a:rPr>
-              <a:t>}</a:t>
-            </a:r>
-          </a:p>
-          <a:p>
-            <a:pPr marL="177800" indent="0">
-              <a:buNone/>
-            </a:pPr>
-            <a:endParaRPr lang="en-US" dirty="0"/>
-          </a:p>
-        </p:txBody>
-      </p:sp>
-    </p:spTree>
-    <p:extLst>
-      <p:ext uri="{BB962C8B-B14F-4D97-AF65-F5344CB8AC3E}">
-        <p14:creationId xmlns:p14="http://schemas.microsoft.com/office/powerpoint/2010/main" val="1669729878"/>
       </p:ext>
     </p:extLst>
   </p:cSld>
@@ -15385,6 +15242,311 @@
           <p:cNvPr id="2" name="Title 1">
             <a:extLst>
               <a:ext uri="{FF2B5EF4-FFF2-40B4-BE49-F238E27FC236}">
+                <a16:creationId xmlns:a16="http://schemas.microsoft.com/office/drawing/2014/main" id="{C9EF8AB0-51F7-EC4F-99DC-E977C14CC02A}"/>
+              </a:ext>
+            </a:extLst>
+          </p:cNvPr>
+          <p:cNvSpPr>
+            <a:spLocks noGrp="1"/>
+          </p:cNvSpPr>
+          <p:nvPr>
+            <p:ph type="title"/>
+          </p:nvPr>
+        </p:nvSpPr>
+        <p:spPr/>
+        <p:txBody>
+          <a:bodyPr/>
+          <a:lstStyle/>
+          <a:p>
+            <a:r>
+              <a:rPr lang="en-US" dirty="0"/>
+              <a:t>Error Handling- making our own</a:t>
+            </a:r>
+          </a:p>
+        </p:txBody>
+      </p:sp>
+      <p:sp>
+        <p:nvSpPr>
+          <p:cNvPr id="3" name="Text Placeholder 2">
+            <a:extLst>
+              <a:ext uri="{FF2B5EF4-FFF2-40B4-BE49-F238E27FC236}">
+                <a16:creationId xmlns:a16="http://schemas.microsoft.com/office/drawing/2014/main" id="{0D9D76DA-F9BA-C041-86C2-2A86B8B75D51}"/>
+              </a:ext>
+            </a:extLst>
+          </p:cNvPr>
+          <p:cNvSpPr>
+            <a:spLocks noGrp="1"/>
+          </p:cNvSpPr>
+          <p:nvPr>
+            <p:ph type="body" idx="1"/>
+          </p:nvPr>
+        </p:nvSpPr>
+        <p:spPr/>
+        <p:txBody>
+          <a:bodyPr/>
+          <a:lstStyle/>
+          <a:p>
+            <a:r>
+              <a:rPr lang="en-US" dirty="0"/>
+              <a:t> So- GO is not as advanced as a lot of languages on the error handling front. This means that you might have to create your own error handling methods.</a:t>
+            </a:r>
+          </a:p>
+          <a:p>
+            <a:r>
+              <a:rPr lang="en-US" dirty="0"/>
+              <a:t>For most standard go functions look like this:</a:t>
+            </a:r>
+          </a:p>
+          <a:p>
+            <a:pPr marL="177800" indent="0">
+              <a:buNone/>
+            </a:pPr>
+            <a:endParaRPr lang="en-US" dirty="0"/>
+          </a:p>
+          <a:p>
+            <a:pPr marL="177800" indent="0">
+              <a:buNone/>
+            </a:pPr>
+            <a:r>
+              <a:rPr lang="en-US" sz="2000" dirty="0" err="1">
+                <a:highlight>
+                  <a:srgbClr val="FFFF00"/>
+                </a:highlight>
+                <a:latin typeface="American Typewriter" panose="02090604020004020304" pitchFamily="18" charset="77"/>
+              </a:rPr>
+              <a:t>func</a:t>
+            </a:r>
+            <a:r>
+              <a:rPr lang="en-US" sz="2000" dirty="0">
+                <a:highlight>
+                  <a:srgbClr val="FFFF00"/>
+                </a:highlight>
+                <a:latin typeface="American Typewriter" panose="02090604020004020304" pitchFamily="18" charset="77"/>
+              </a:rPr>
+              <a:t> f1(</a:t>
+            </a:r>
+            <a:r>
+              <a:rPr lang="en-US" sz="2000" dirty="0" err="1">
+                <a:highlight>
+                  <a:srgbClr val="FFFF00"/>
+                </a:highlight>
+                <a:latin typeface="American Typewriter" panose="02090604020004020304" pitchFamily="18" charset="77"/>
+              </a:rPr>
+              <a:t>arg</a:t>
+            </a:r>
+            <a:r>
+              <a:rPr lang="en-US" sz="2000" dirty="0">
+                <a:highlight>
+                  <a:srgbClr val="FFFF00"/>
+                </a:highlight>
+                <a:latin typeface="American Typewriter" panose="02090604020004020304" pitchFamily="18" charset="77"/>
+              </a:rPr>
+              <a:t> </a:t>
+            </a:r>
+            <a:r>
+              <a:rPr lang="en-US" sz="2000" dirty="0" err="1">
+                <a:highlight>
+                  <a:srgbClr val="FFFF00"/>
+                </a:highlight>
+                <a:latin typeface="American Typewriter" panose="02090604020004020304" pitchFamily="18" charset="77"/>
+              </a:rPr>
+              <a:t>int</a:t>
+            </a:r>
+            <a:r>
+              <a:rPr lang="en-US" sz="2000" dirty="0">
+                <a:highlight>
+                  <a:srgbClr val="FFFF00"/>
+                </a:highlight>
+                <a:latin typeface="American Typewriter" panose="02090604020004020304" pitchFamily="18" charset="77"/>
+              </a:rPr>
+              <a:t>) (</a:t>
+            </a:r>
+            <a:r>
+              <a:rPr lang="en-US" sz="2000" dirty="0" err="1">
+                <a:highlight>
+                  <a:srgbClr val="FFFF00"/>
+                </a:highlight>
+                <a:latin typeface="American Typewriter" panose="02090604020004020304" pitchFamily="18" charset="77"/>
+              </a:rPr>
+              <a:t>int</a:t>
+            </a:r>
+            <a:r>
+              <a:rPr lang="en-US" sz="2000" dirty="0">
+                <a:highlight>
+                  <a:srgbClr val="FFFF00"/>
+                </a:highlight>
+                <a:latin typeface="American Typewriter" panose="02090604020004020304" pitchFamily="18" charset="77"/>
+              </a:rPr>
+              <a:t>, error) {</a:t>
+            </a:r>
+          </a:p>
+          <a:p>
+            <a:pPr marL="177800" indent="0">
+              <a:buNone/>
+            </a:pPr>
+            <a:r>
+              <a:rPr lang="en-US" sz="2000" dirty="0">
+                <a:highlight>
+                  <a:srgbClr val="FFFF00"/>
+                </a:highlight>
+                <a:latin typeface="American Typewriter" panose="02090604020004020304" pitchFamily="18" charset="77"/>
+              </a:rPr>
+              <a:t>	if </a:t>
+            </a:r>
+            <a:r>
+              <a:rPr lang="en-US" sz="2000" dirty="0" err="1">
+                <a:highlight>
+                  <a:srgbClr val="FFFF00"/>
+                </a:highlight>
+                <a:latin typeface="American Typewriter" panose="02090604020004020304" pitchFamily="18" charset="77"/>
+              </a:rPr>
+              <a:t>arg</a:t>
+            </a:r>
+            <a:r>
+              <a:rPr lang="en-US" sz="2000" dirty="0">
+                <a:highlight>
+                  <a:srgbClr val="FFFF00"/>
+                </a:highlight>
+                <a:latin typeface="American Typewriter" panose="02090604020004020304" pitchFamily="18" charset="77"/>
+              </a:rPr>
+              <a:t> == 42 {</a:t>
+            </a:r>
+          </a:p>
+          <a:p>
+            <a:pPr marL="177800" indent="0">
+              <a:buNone/>
+            </a:pPr>
+            <a:r>
+              <a:rPr lang="en-US" sz="2000" dirty="0">
+                <a:highlight>
+                  <a:srgbClr val="FFFF00"/>
+                </a:highlight>
+                <a:latin typeface="American Typewriter" panose="02090604020004020304" pitchFamily="18" charset="77"/>
+              </a:rPr>
+              <a:t>		return -1, </a:t>
+            </a:r>
+            <a:r>
+              <a:rPr lang="en-US" sz="2000" dirty="0" err="1">
+                <a:highlight>
+                  <a:srgbClr val="FFFF00"/>
+                </a:highlight>
+                <a:latin typeface="American Typewriter" panose="02090604020004020304" pitchFamily="18" charset="77"/>
+              </a:rPr>
+              <a:t>errors.New</a:t>
+            </a:r>
+            <a:r>
+              <a:rPr lang="en-US" sz="2000" dirty="0">
+                <a:highlight>
+                  <a:srgbClr val="FFFF00"/>
+                </a:highlight>
+                <a:latin typeface="American Typewriter" panose="02090604020004020304" pitchFamily="18" charset="77"/>
+              </a:rPr>
+              <a:t>("can't work with 42")</a:t>
+            </a:r>
+          </a:p>
+          <a:p>
+            <a:pPr marL="177800" indent="0">
+              <a:buNone/>
+            </a:pPr>
+            <a:r>
+              <a:rPr lang="en-US" sz="2000" dirty="0">
+                <a:highlight>
+                  <a:srgbClr val="FFFF00"/>
+                </a:highlight>
+                <a:latin typeface="American Typewriter" panose="02090604020004020304" pitchFamily="18" charset="77"/>
+              </a:rPr>
+              <a:t>}</a:t>
+            </a:r>
+          </a:p>
+          <a:p>
+            <a:pPr marL="177800" indent="0">
+              <a:buNone/>
+            </a:pPr>
+            <a:r>
+              <a:rPr lang="en-US" sz="2000" dirty="0">
+                <a:highlight>
+                  <a:srgbClr val="FFFF00"/>
+                </a:highlight>
+                <a:latin typeface="American Typewriter" panose="02090604020004020304" pitchFamily="18" charset="77"/>
+              </a:rPr>
+              <a:t>	return </a:t>
+            </a:r>
+            <a:r>
+              <a:rPr lang="en-US" sz="2000" dirty="0" err="1">
+                <a:highlight>
+                  <a:srgbClr val="FFFF00"/>
+                </a:highlight>
+                <a:latin typeface="American Typewriter" panose="02090604020004020304" pitchFamily="18" charset="77"/>
+              </a:rPr>
+              <a:t>arg</a:t>
+            </a:r>
+            <a:r>
+              <a:rPr lang="en-US" sz="2000" dirty="0">
+                <a:highlight>
+                  <a:srgbClr val="FFFF00"/>
+                </a:highlight>
+                <a:latin typeface="American Typewriter" panose="02090604020004020304" pitchFamily="18" charset="77"/>
+              </a:rPr>
+              <a:t> + 3, nil</a:t>
+            </a:r>
+          </a:p>
+          <a:p>
+            <a:pPr marL="177800" indent="0">
+              <a:buNone/>
+            </a:pPr>
+            <a:r>
+              <a:rPr lang="en-US" sz="2000" dirty="0">
+                <a:highlight>
+                  <a:srgbClr val="FFFF00"/>
+                </a:highlight>
+                <a:latin typeface="American Typewriter" panose="02090604020004020304" pitchFamily="18" charset="77"/>
+              </a:rPr>
+              <a:t>}</a:t>
+            </a:r>
+          </a:p>
+          <a:p>
+            <a:pPr marL="177800" indent="0">
+              <a:buNone/>
+            </a:pPr>
+            <a:endParaRPr lang="en-US" dirty="0"/>
+          </a:p>
+        </p:txBody>
+      </p:sp>
+    </p:spTree>
+    <p:extLst>
+      <p:ext uri="{BB962C8B-B14F-4D97-AF65-F5344CB8AC3E}">
+        <p14:creationId xmlns:p14="http://schemas.microsoft.com/office/powerpoint/2010/main" val="1669729878"/>
+      </p:ext>
+    </p:extLst>
+  </p:cSld>
+  <p:clrMapOvr>
+    <a:masterClrMapping/>
+  </p:clrMapOvr>
+</p:sld>
+</file>
+
+<file path=ppt/slides/slide31.xml><?xml version="1.0" encoding="utf-8"?>
+<p:sld xmlns:a="http://schemas.openxmlformats.org/drawingml/2006/main" xmlns:r="http://schemas.openxmlformats.org/officeDocument/2006/relationships" xmlns:p="http://schemas.openxmlformats.org/presentationml/2006/main">
+  <p:cSld>
+    <p:spTree>
+      <p:nvGrpSpPr>
+        <p:cNvPr id="1" name=""/>
+        <p:cNvGrpSpPr/>
+        <p:nvPr/>
+      </p:nvGrpSpPr>
+      <p:grpSpPr>
+        <a:xfrm>
+          <a:off x="0" y="0"/>
+          <a:ext cx="0" cy="0"/>
+          <a:chOff x="0" y="0"/>
+          <a:chExt cx="0" cy="0"/>
+        </a:xfrm>
+      </p:grpSpPr>
+      <p:sp>
+        <p:nvSpPr>
+          <p:cNvPr id="2" name="Title 1">
+            <a:extLst>
+              <a:ext uri="{FF2B5EF4-FFF2-40B4-BE49-F238E27FC236}">
                 <a16:creationId xmlns:a16="http://schemas.microsoft.com/office/drawing/2014/main" id="{1B9B4C59-B4F6-344B-AB49-53BC6F825265}"/>
               </a:ext>
             </a:extLst>
@@ -15611,7 +15773,7 @@
 </p:sld>
 </file>
 
-<file path=ppt/slides/slide31.xml><?xml version="1.0" encoding="utf-8"?>
+<file path=ppt/slides/slide32.xml><?xml version="1.0" encoding="utf-8"?>
 <p:sld xmlns:a="http://schemas.openxmlformats.org/drawingml/2006/main" xmlns:r="http://schemas.openxmlformats.org/officeDocument/2006/relationships" xmlns:p="http://schemas.openxmlformats.org/presentationml/2006/main">
   <p:cSld>
     <p:spTree>
@@ -15845,7 +16007,7 @@
 </p:sld>
 </file>
 
-<file path=ppt/slides/slide32.xml><?xml version="1.0" encoding="utf-8"?>
+<file path=ppt/slides/slide33.xml><?xml version="1.0" encoding="utf-8"?>
 <p:sld xmlns:a="http://schemas.openxmlformats.org/drawingml/2006/main" xmlns:r="http://schemas.openxmlformats.org/officeDocument/2006/relationships" xmlns:p="http://schemas.openxmlformats.org/presentationml/2006/main">
   <p:cSld>
     <p:spTree>
@@ -16003,7 +16165,7 @@
 </p:sld>
 </file>
 
-<file path=ppt/slides/slide33.xml><?xml version="1.0" encoding="utf-8"?>
+<file path=ppt/slides/slide34.xml><?xml version="1.0" encoding="utf-8"?>
 <p:sld xmlns:a="http://schemas.openxmlformats.org/drawingml/2006/main" xmlns:r="http://schemas.openxmlformats.org/officeDocument/2006/relationships" xmlns:p="http://schemas.openxmlformats.org/presentationml/2006/main">
   <p:cSld>
     <p:spTree>
@@ -16136,7 +16298,7 @@
 </p:sld>
 </file>
 
-<file path=ppt/slides/slide34.xml><?xml version="1.0" encoding="utf-8"?>
+<file path=ppt/slides/slide35.xml><?xml version="1.0" encoding="utf-8"?>
 <p:sld xmlns:a="http://schemas.openxmlformats.org/drawingml/2006/main" xmlns:r="http://schemas.openxmlformats.org/officeDocument/2006/relationships" xmlns:p="http://schemas.openxmlformats.org/presentationml/2006/main">
   <p:cSld>
     <p:spTree>
@@ -16304,7 +16466,7 @@
 </p:sld>
 </file>
 
-<file path=ppt/slides/slide35.xml><?xml version="1.0" encoding="utf-8"?>
+<file path=ppt/slides/slide36.xml><?xml version="1.0" encoding="utf-8"?>
 <p:sld xmlns:a="http://schemas.openxmlformats.org/drawingml/2006/main" xmlns:r="http://schemas.openxmlformats.org/officeDocument/2006/relationships" xmlns:p="http://schemas.openxmlformats.org/presentationml/2006/main">
   <p:cSld>
     <p:spTree>
@@ -16551,7 +16713,7 @@
 </p:sld>
 </file>
 
-<file path=ppt/slides/slide36.xml><?xml version="1.0" encoding="utf-8"?>
+<file path=ppt/slides/slide37.xml><?xml version="1.0" encoding="utf-8"?>
 <p:sld xmlns:a="http://schemas.openxmlformats.org/drawingml/2006/main" xmlns:r="http://schemas.openxmlformats.org/officeDocument/2006/relationships" xmlns:p="http://schemas.openxmlformats.org/presentationml/2006/main">
   <p:cSld>
     <p:spTree>
@@ -16754,7 +16916,7 @@
 </p:sld>
 </file>
 
-<file path=ppt/slides/slide37.xml><?xml version="1.0" encoding="utf-8"?>
+<file path=ppt/slides/slide38.xml><?xml version="1.0" encoding="utf-8"?>
 <p:sld xmlns:a="http://schemas.openxmlformats.org/drawingml/2006/main" xmlns:r="http://schemas.openxmlformats.org/officeDocument/2006/relationships" xmlns:p="http://schemas.openxmlformats.org/presentationml/2006/main">
   <p:cSld>
     <p:spTree>
@@ -16927,7 +17089,7 @@
 </p:sld>
 </file>
 
-<file path=ppt/slides/slide38.xml><?xml version="1.0" encoding="utf-8"?>
+<file path=ppt/slides/slide39.xml><?xml version="1.0" encoding="utf-8"?>
 <p:sld xmlns:a="http://schemas.openxmlformats.org/drawingml/2006/main" xmlns:r="http://schemas.openxmlformats.org/officeDocument/2006/relationships" xmlns:p="http://schemas.openxmlformats.org/presentationml/2006/main">
   <p:cSld>
     <p:spTree>
@@ -17119,166 +17281,6 @@
     <p:extLst>
       <p:ext uri="{BB962C8B-B14F-4D97-AF65-F5344CB8AC3E}">
         <p14:creationId xmlns:p14="http://schemas.microsoft.com/office/powerpoint/2010/main" val="4266426935"/>
-      </p:ext>
-    </p:extLst>
-  </p:cSld>
-  <p:clrMapOvr>
-    <a:masterClrMapping/>
-  </p:clrMapOvr>
-</p:sld>
-</file>
-
-<file path=ppt/slides/slide39.xml><?xml version="1.0" encoding="utf-8"?>
-<p:sld xmlns:a="http://schemas.openxmlformats.org/drawingml/2006/main" xmlns:r="http://schemas.openxmlformats.org/officeDocument/2006/relationships" xmlns:p="http://schemas.openxmlformats.org/presentationml/2006/main">
-  <p:cSld>
-    <p:spTree>
-      <p:nvGrpSpPr>
-        <p:cNvPr id="1" name=""/>
-        <p:cNvGrpSpPr/>
-        <p:nvPr/>
-      </p:nvGrpSpPr>
-      <p:grpSpPr>
-        <a:xfrm>
-          <a:off x="0" y="0"/>
-          <a:ext cx="0" cy="0"/>
-          <a:chOff x="0" y="0"/>
-          <a:chExt cx="0" cy="0"/>
-        </a:xfrm>
-      </p:grpSpPr>
-      <p:sp>
-        <p:nvSpPr>
-          <p:cNvPr id="2" name="Title 1">
-            <a:extLst>
-              <a:ext uri="{FF2B5EF4-FFF2-40B4-BE49-F238E27FC236}">
-                <a16:creationId xmlns:a16="http://schemas.microsoft.com/office/drawing/2014/main" id="{0B8504C0-4B48-5D41-B600-A4A6C3C19EAB}"/>
-              </a:ext>
-            </a:extLst>
-          </p:cNvPr>
-          <p:cNvSpPr>
-            <a:spLocks noGrp="1"/>
-          </p:cNvSpPr>
-          <p:nvPr>
-            <p:ph type="title"/>
-          </p:nvPr>
-        </p:nvSpPr>
-        <p:spPr/>
-        <p:txBody>
-          <a:bodyPr/>
-          <a:lstStyle/>
-          <a:p>
-            <a:r>
-              <a:rPr lang="en-US" dirty="0"/>
-              <a:t>Slices- a couple more notes</a:t>
-            </a:r>
-          </a:p>
-        </p:txBody>
-      </p:sp>
-      <p:sp>
-        <p:nvSpPr>
-          <p:cNvPr id="3" name="Text Placeholder 2">
-            <a:extLst>
-              <a:ext uri="{FF2B5EF4-FFF2-40B4-BE49-F238E27FC236}">
-                <a16:creationId xmlns:a16="http://schemas.microsoft.com/office/drawing/2014/main" id="{BE7F13DC-0CE4-5F43-9FBF-FA8F5FDF5697}"/>
-              </a:ext>
-            </a:extLst>
-          </p:cNvPr>
-          <p:cNvSpPr>
-            <a:spLocks noGrp="1"/>
-          </p:cNvSpPr>
-          <p:nvPr>
-            <p:ph type="body" idx="1"/>
-          </p:nvPr>
-        </p:nvSpPr>
-        <p:spPr/>
-        <p:txBody>
-          <a:bodyPr/>
-          <a:lstStyle/>
-          <a:p>
-            <a:r>
-              <a:rPr lang="en-US" dirty="0"/>
-              <a:t> So- something else to know about slices:</a:t>
-            </a:r>
-          </a:p>
-          <a:p>
-            <a:pPr lvl="1"/>
-            <a:r>
-              <a:rPr lang="en-US" dirty="0"/>
-              <a:t>When they come from Pre- created arrays you cannot extend the length of the array. They are reference types- they refer to an underlying array so modifying the elements of a slice will modify the corresponding elements in the referenced array.</a:t>
-            </a:r>
-          </a:p>
-          <a:p>
-            <a:pPr lvl="1"/>
-            <a:r>
-              <a:rPr lang="en-US" dirty="0"/>
-              <a:t>IF you modify in a slice then other slices that refer to that same array </a:t>
-            </a:r>
-            <a:r>
-              <a:rPr lang="en-US" b="1" i="1" dirty="0"/>
-              <a:t>will see those changes</a:t>
-            </a:r>
-            <a:r>
-              <a:rPr lang="en-US" i="1" dirty="0"/>
-              <a:t>.</a:t>
-            </a:r>
-            <a:endParaRPr lang="en-US" dirty="0"/>
-          </a:p>
-          <a:p>
-            <a:pPr lvl="1"/>
-            <a:endParaRPr lang="en-US" dirty="0"/>
-          </a:p>
-        </p:txBody>
-      </p:sp>
-      <p:pic>
-        <p:nvPicPr>
-          <p:cNvPr id="10242" name="Picture 2" descr="Image result for golang gopher">
-            <a:extLst>
-              <a:ext uri="{FF2B5EF4-FFF2-40B4-BE49-F238E27FC236}">
-                <a16:creationId xmlns:a16="http://schemas.microsoft.com/office/drawing/2014/main" id="{E05E0972-8C92-1144-824D-6E8B3D598AE2}"/>
-              </a:ext>
-            </a:extLst>
-          </p:cNvPr>
-          <p:cNvPicPr>
-            <a:picLocks noChangeAspect="1" noChangeArrowheads="1"/>
-          </p:cNvPicPr>
-          <p:nvPr/>
-        </p:nvPicPr>
-        <p:blipFill>
-          <a:blip r:embed="rId2">
-            <a:extLst>
-              <a:ext uri="{28A0092B-C50C-407E-A947-70E740481C1C}">
-                <a14:useLocalDpi xmlns:a14="http://schemas.microsoft.com/office/drawing/2010/main" val="0"/>
-              </a:ext>
-            </a:extLst>
-          </a:blip>
-          <a:srcRect/>
-          <a:stretch>
-            <a:fillRect/>
-          </a:stretch>
-        </p:blipFill>
-        <p:spPr bwMode="auto">
-          <a:xfrm>
-            <a:off x="2832100" y="4318000"/>
-            <a:ext cx="3479800" cy="2336800"/>
-          </a:xfrm>
-          <a:prstGeom prst="rect">
-            <a:avLst/>
-          </a:prstGeom>
-          <a:noFill/>
-          <a:extLst>
-            <a:ext uri="{909E8E84-426E-40DD-AFC4-6F175D3DCCD1}">
-              <a14:hiddenFill xmlns:a14="http://schemas.microsoft.com/office/drawing/2010/main">
-                <a:solidFill>
-                  <a:srgbClr val="FFFFFF"/>
-                </a:solidFill>
-              </a14:hiddenFill>
-            </a:ext>
-          </a:extLst>
-        </p:spPr>
-      </p:pic>
-    </p:spTree>
-    <p:extLst>
-      <p:ext uri="{BB962C8B-B14F-4D97-AF65-F5344CB8AC3E}">
-        <p14:creationId xmlns:p14="http://schemas.microsoft.com/office/powerpoint/2010/main" val="157044444"/>
       </p:ext>
     </p:extLst>
   </p:cSld>
@@ -17714,6 +17716,166 @@
           <p:cNvPr id="2" name="Title 1">
             <a:extLst>
               <a:ext uri="{FF2B5EF4-FFF2-40B4-BE49-F238E27FC236}">
+                <a16:creationId xmlns:a16="http://schemas.microsoft.com/office/drawing/2014/main" id="{0B8504C0-4B48-5D41-B600-A4A6C3C19EAB}"/>
+              </a:ext>
+            </a:extLst>
+          </p:cNvPr>
+          <p:cNvSpPr>
+            <a:spLocks noGrp="1"/>
+          </p:cNvSpPr>
+          <p:nvPr>
+            <p:ph type="title"/>
+          </p:nvPr>
+        </p:nvSpPr>
+        <p:spPr/>
+        <p:txBody>
+          <a:bodyPr/>
+          <a:lstStyle/>
+          <a:p>
+            <a:r>
+              <a:rPr lang="en-US" dirty="0"/>
+              <a:t>Slices- a couple more notes</a:t>
+            </a:r>
+          </a:p>
+        </p:txBody>
+      </p:sp>
+      <p:sp>
+        <p:nvSpPr>
+          <p:cNvPr id="3" name="Text Placeholder 2">
+            <a:extLst>
+              <a:ext uri="{FF2B5EF4-FFF2-40B4-BE49-F238E27FC236}">
+                <a16:creationId xmlns:a16="http://schemas.microsoft.com/office/drawing/2014/main" id="{BE7F13DC-0CE4-5F43-9FBF-FA8F5FDF5697}"/>
+              </a:ext>
+            </a:extLst>
+          </p:cNvPr>
+          <p:cNvSpPr>
+            <a:spLocks noGrp="1"/>
+          </p:cNvSpPr>
+          <p:nvPr>
+            <p:ph type="body" idx="1"/>
+          </p:nvPr>
+        </p:nvSpPr>
+        <p:spPr/>
+        <p:txBody>
+          <a:bodyPr/>
+          <a:lstStyle/>
+          <a:p>
+            <a:r>
+              <a:rPr lang="en-US" dirty="0"/>
+              <a:t> So- something else to know about slices:</a:t>
+            </a:r>
+          </a:p>
+          <a:p>
+            <a:pPr lvl="1"/>
+            <a:r>
+              <a:rPr lang="en-US" dirty="0"/>
+              <a:t>When they come from Pre- created arrays you cannot extend the length of the array. They are reference types- they refer to an underlying array so modifying the elements of a slice will modify the corresponding elements in the referenced array.</a:t>
+            </a:r>
+          </a:p>
+          <a:p>
+            <a:pPr lvl="1"/>
+            <a:r>
+              <a:rPr lang="en-US" dirty="0"/>
+              <a:t>IF you modify in a slice then other slices that refer to that same array </a:t>
+            </a:r>
+            <a:r>
+              <a:rPr lang="en-US" b="1" i="1" dirty="0"/>
+              <a:t>will see those changes</a:t>
+            </a:r>
+            <a:r>
+              <a:rPr lang="en-US" i="1" dirty="0"/>
+              <a:t>.</a:t>
+            </a:r>
+            <a:endParaRPr lang="en-US" dirty="0"/>
+          </a:p>
+          <a:p>
+            <a:pPr lvl="1"/>
+            <a:endParaRPr lang="en-US" dirty="0"/>
+          </a:p>
+        </p:txBody>
+      </p:sp>
+      <p:pic>
+        <p:nvPicPr>
+          <p:cNvPr id="10242" name="Picture 2" descr="Image result for golang gopher">
+            <a:extLst>
+              <a:ext uri="{FF2B5EF4-FFF2-40B4-BE49-F238E27FC236}">
+                <a16:creationId xmlns:a16="http://schemas.microsoft.com/office/drawing/2014/main" id="{E05E0972-8C92-1144-824D-6E8B3D598AE2}"/>
+              </a:ext>
+            </a:extLst>
+          </p:cNvPr>
+          <p:cNvPicPr>
+            <a:picLocks noChangeAspect="1" noChangeArrowheads="1"/>
+          </p:cNvPicPr>
+          <p:nvPr/>
+        </p:nvPicPr>
+        <p:blipFill>
+          <a:blip r:embed="rId2">
+            <a:extLst>
+              <a:ext uri="{28A0092B-C50C-407E-A947-70E740481C1C}">
+                <a14:useLocalDpi xmlns:a14="http://schemas.microsoft.com/office/drawing/2010/main" val="0"/>
+              </a:ext>
+            </a:extLst>
+          </a:blip>
+          <a:srcRect/>
+          <a:stretch>
+            <a:fillRect/>
+          </a:stretch>
+        </p:blipFill>
+        <p:spPr bwMode="auto">
+          <a:xfrm>
+            <a:off x="2832100" y="4318000"/>
+            <a:ext cx="3479800" cy="2336800"/>
+          </a:xfrm>
+          <a:prstGeom prst="rect">
+            <a:avLst/>
+          </a:prstGeom>
+          <a:noFill/>
+          <a:extLst>
+            <a:ext uri="{909E8E84-426E-40DD-AFC4-6F175D3DCCD1}">
+              <a14:hiddenFill xmlns:a14="http://schemas.microsoft.com/office/drawing/2010/main">
+                <a:solidFill>
+                  <a:srgbClr val="FFFFFF"/>
+                </a:solidFill>
+              </a14:hiddenFill>
+            </a:ext>
+          </a:extLst>
+        </p:spPr>
+      </p:pic>
+    </p:spTree>
+    <p:extLst>
+      <p:ext uri="{BB962C8B-B14F-4D97-AF65-F5344CB8AC3E}">
+        <p14:creationId xmlns:p14="http://schemas.microsoft.com/office/powerpoint/2010/main" val="157044444"/>
+      </p:ext>
+    </p:extLst>
+  </p:cSld>
+  <p:clrMapOvr>
+    <a:masterClrMapping/>
+  </p:clrMapOvr>
+</p:sld>
+</file>
+
+<file path=ppt/slides/slide41.xml><?xml version="1.0" encoding="utf-8"?>
+<p:sld xmlns:a="http://schemas.openxmlformats.org/drawingml/2006/main" xmlns:r="http://schemas.openxmlformats.org/officeDocument/2006/relationships" xmlns:p="http://schemas.openxmlformats.org/presentationml/2006/main">
+  <p:cSld>
+    <p:spTree>
+      <p:nvGrpSpPr>
+        <p:cNvPr id="1" name=""/>
+        <p:cNvGrpSpPr/>
+        <p:nvPr/>
+      </p:nvGrpSpPr>
+      <p:grpSpPr>
+        <a:xfrm>
+          <a:off x="0" y="0"/>
+          <a:ext cx="0" cy="0"/>
+          <a:chOff x="0" y="0"/>
+          <a:chExt cx="0" cy="0"/>
+        </a:xfrm>
+      </p:grpSpPr>
+      <p:sp>
+        <p:nvSpPr>
+          <p:cNvPr id="2" name="Title 1">
+            <a:extLst>
+              <a:ext uri="{FF2B5EF4-FFF2-40B4-BE49-F238E27FC236}">
                 <a16:creationId xmlns:a16="http://schemas.microsoft.com/office/drawing/2014/main" id="{54C125FF-6012-CA44-AAA4-A1EA6C70E304}"/>
               </a:ext>
             </a:extLst>
@@ -17954,7 +18116,7 @@
 </p:sld>
 </file>
 
-<file path=ppt/slides/slide41.xml><?xml version="1.0" encoding="utf-8"?>
+<file path=ppt/slides/slide42.xml><?xml version="1.0" encoding="utf-8"?>
 <p:sld xmlns:a="http://schemas.openxmlformats.org/drawingml/2006/main" xmlns:r="http://schemas.openxmlformats.org/officeDocument/2006/relationships" xmlns:p="http://schemas.openxmlformats.org/presentationml/2006/main">
   <p:cSld>
     <p:spTree>
@@ -18188,7 +18350,7 @@
 </p:sld>
 </file>
 
-<file path=ppt/slides/slide42.xml><?xml version="1.0" encoding="utf-8"?>
+<file path=ppt/slides/slide43.xml><?xml version="1.0" encoding="utf-8"?>
 <p:sld xmlns:a="http://schemas.openxmlformats.org/drawingml/2006/main" xmlns:r="http://schemas.openxmlformats.org/officeDocument/2006/relationships" xmlns:p="http://schemas.openxmlformats.org/presentationml/2006/main">
   <p:cSld>
     <p:spTree>
@@ -18365,7 +18527,7 @@
 </p:sld>
 </file>
 
-<file path=ppt/slides/slide43.xml><?xml version="1.0" encoding="utf-8"?>
+<file path=ppt/slides/slide44.xml><?xml version="1.0" encoding="utf-8"?>
 <p:sld xmlns:a="http://schemas.openxmlformats.org/drawingml/2006/main" xmlns:r="http://schemas.openxmlformats.org/officeDocument/2006/relationships" xmlns:p="http://schemas.openxmlformats.org/presentationml/2006/main">
   <p:cSld>
     <p:spTree>
@@ -18585,7 +18747,7 @@
 </p:sld>
 </file>
 
-<file path=ppt/slides/slide44.xml><?xml version="1.0" encoding="utf-8"?>
+<file path=ppt/slides/slide45.xml><?xml version="1.0" encoding="utf-8"?>
 <p:sld xmlns:a="http://schemas.openxmlformats.org/drawingml/2006/main" xmlns:r="http://schemas.openxmlformats.org/officeDocument/2006/relationships" xmlns:p="http://schemas.openxmlformats.org/presentationml/2006/main">
   <p:cSld>
     <p:spTree>
@@ -18851,7 +19013,7 @@
 </p:sld>
 </file>
 
-<file path=ppt/slides/slide45.xml><?xml version="1.0" encoding="utf-8"?>
+<file path=ppt/slides/slide46.xml><?xml version="1.0" encoding="utf-8"?>
 <p:sld xmlns:a="http://schemas.openxmlformats.org/drawingml/2006/main" xmlns:r="http://schemas.openxmlformats.org/officeDocument/2006/relationships" xmlns:p="http://schemas.openxmlformats.org/presentationml/2006/main">
   <p:cSld>
     <p:spTree>
@@ -18984,7 +19146,7 @@
 </p:sld>
 </file>
 
-<file path=ppt/slides/slide46.xml><?xml version="1.0" encoding="utf-8"?>
+<file path=ppt/slides/slide47.xml><?xml version="1.0" encoding="utf-8"?>
 <p:sld xmlns:a="http://schemas.openxmlformats.org/drawingml/2006/main" xmlns:r="http://schemas.openxmlformats.org/officeDocument/2006/relationships" xmlns:p="http://schemas.openxmlformats.org/presentationml/2006/main">
   <p:cSld>
     <p:spTree>
@@ -19123,7 +19285,7 @@
 </p:sld>
 </file>
 
-<file path=ppt/slides/slide47.xml><?xml version="1.0" encoding="utf-8"?>
+<file path=ppt/slides/slide48.xml><?xml version="1.0" encoding="utf-8"?>
 <p:sld xmlns:a="http://schemas.openxmlformats.org/drawingml/2006/main" xmlns:r="http://schemas.openxmlformats.org/officeDocument/2006/relationships" xmlns:p="http://schemas.openxmlformats.org/presentationml/2006/main">
   <p:cSld>
     <p:spTree>
@@ -19518,7 +19680,7 @@
 </p:sld>
 </file>
 
-<file path=ppt/slides/slide48.xml><?xml version="1.0" encoding="utf-8"?>
+<file path=ppt/slides/slide49.xml><?xml version="1.0" encoding="utf-8"?>
 <p:sld xmlns:a="http://schemas.openxmlformats.org/drawingml/2006/main" xmlns:r="http://schemas.openxmlformats.org/officeDocument/2006/relationships" xmlns:p="http://schemas.openxmlformats.org/presentationml/2006/main">
   <p:cSld>
     <p:spTree>
@@ -19900,162 +20062,6 @@
     <p:extLst>
       <p:ext uri="{BB962C8B-B14F-4D97-AF65-F5344CB8AC3E}">
         <p14:creationId xmlns:p14="http://schemas.microsoft.com/office/powerpoint/2010/main" val="4153244075"/>
-      </p:ext>
-    </p:extLst>
-  </p:cSld>
-  <p:clrMapOvr>
-    <a:masterClrMapping/>
-  </p:clrMapOvr>
-</p:sld>
-</file>
-
-<file path=ppt/slides/slide49.xml><?xml version="1.0" encoding="utf-8"?>
-<p:sld xmlns:a="http://schemas.openxmlformats.org/drawingml/2006/main" xmlns:r="http://schemas.openxmlformats.org/officeDocument/2006/relationships" xmlns:p="http://schemas.openxmlformats.org/presentationml/2006/main">
-  <p:cSld>
-    <p:spTree>
-      <p:nvGrpSpPr>
-        <p:cNvPr id="1" name=""/>
-        <p:cNvGrpSpPr/>
-        <p:nvPr/>
-      </p:nvGrpSpPr>
-      <p:grpSpPr>
-        <a:xfrm>
-          <a:off x="0" y="0"/>
-          <a:ext cx="0" cy="0"/>
-          <a:chOff x="0" y="0"/>
-          <a:chExt cx="0" cy="0"/>
-        </a:xfrm>
-      </p:grpSpPr>
-      <p:sp>
-        <p:nvSpPr>
-          <p:cNvPr id="2" name="Title 1">
-            <a:extLst>
-              <a:ext uri="{FF2B5EF4-FFF2-40B4-BE49-F238E27FC236}">
-                <a16:creationId xmlns:a16="http://schemas.microsoft.com/office/drawing/2014/main" id="{DF383B22-1FBF-1545-9CB1-7A87EEC6DF68}"/>
-              </a:ext>
-            </a:extLst>
-          </p:cNvPr>
-          <p:cNvSpPr>
-            <a:spLocks noGrp="1"/>
-          </p:cNvSpPr>
-          <p:nvPr>
-            <p:ph type="title"/>
-          </p:nvPr>
-        </p:nvSpPr>
-        <p:spPr/>
-        <p:txBody>
-          <a:bodyPr/>
-          <a:lstStyle/>
-          <a:p>
-            <a:r>
-              <a:rPr lang="en-US" dirty="0"/>
-              <a:t>Structs and functions</a:t>
-            </a:r>
-          </a:p>
-        </p:txBody>
-      </p:sp>
-      <p:sp>
-        <p:nvSpPr>
-          <p:cNvPr id="3" name="Text Placeholder 2">
-            <a:extLst>
-              <a:ext uri="{FF2B5EF4-FFF2-40B4-BE49-F238E27FC236}">
-                <a16:creationId xmlns:a16="http://schemas.microsoft.com/office/drawing/2014/main" id="{6726EF7F-6539-C844-A3A1-167916391BB1}"/>
-              </a:ext>
-            </a:extLst>
-          </p:cNvPr>
-          <p:cNvSpPr>
-            <a:spLocks noGrp="1"/>
-          </p:cNvSpPr>
-          <p:nvPr>
-            <p:ph type="body" idx="1"/>
-          </p:nvPr>
-        </p:nvSpPr>
-        <p:spPr/>
-        <p:txBody>
-          <a:bodyPr/>
-          <a:lstStyle/>
-          <a:p>
-            <a:r>
-              <a:rPr lang="en-US" dirty="0"/>
-              <a:t>So as you can see- we altered the function method and we are pointing back at our struct as the </a:t>
-            </a:r>
-            <a:r>
-              <a:rPr lang="en-US" b="1" dirty="0"/>
-              <a:t>receiver</a:t>
-            </a:r>
-            <a:r>
-              <a:rPr lang="en-US" dirty="0"/>
-              <a:t> of the output of the function. </a:t>
-            </a:r>
-          </a:p>
-          <a:p>
-            <a:r>
-              <a:rPr lang="en-US" dirty="0"/>
-              <a:t>You then call the function the same way you would normally (in most languages) call a function within the object- with </a:t>
-            </a:r>
-            <a:r>
-              <a:rPr lang="en-US" b="1" dirty="0" err="1"/>
-              <a:t>structName.functionName</a:t>
-            </a:r>
-            <a:r>
-              <a:rPr lang="en-US" b="1" dirty="0"/>
-              <a:t>()</a:t>
-            </a:r>
-            <a:endParaRPr lang="en-US" dirty="0"/>
-          </a:p>
-        </p:txBody>
-      </p:sp>
-      <p:pic>
-        <p:nvPicPr>
-          <p:cNvPr id="10242" name="Picture 2" descr="Image result for golang gopher">
-            <a:extLst>
-              <a:ext uri="{FF2B5EF4-FFF2-40B4-BE49-F238E27FC236}">
-                <a16:creationId xmlns:a16="http://schemas.microsoft.com/office/drawing/2014/main" id="{C26AFA25-03D2-7644-9D07-F355C0EE7B79}"/>
-              </a:ext>
-            </a:extLst>
-          </p:cNvPr>
-          <p:cNvPicPr>
-            <a:picLocks noChangeAspect="1" noChangeArrowheads="1"/>
-          </p:cNvPicPr>
-          <p:nvPr/>
-        </p:nvPicPr>
-        <p:blipFill>
-          <a:blip r:embed="rId2">
-            <a:extLst>
-              <a:ext uri="{28A0092B-C50C-407E-A947-70E740481C1C}">
-                <a14:useLocalDpi xmlns:a14="http://schemas.microsoft.com/office/drawing/2010/main" val="0"/>
-              </a:ext>
-            </a:extLst>
-          </a:blip>
-          <a:srcRect/>
-          <a:stretch>
-            <a:fillRect/>
-          </a:stretch>
-        </p:blipFill>
-        <p:spPr bwMode="auto">
-          <a:xfrm>
-            <a:off x="2560229" y="4267199"/>
-            <a:ext cx="3797300" cy="2133600"/>
-          </a:xfrm>
-          <a:prstGeom prst="rect">
-            <a:avLst/>
-          </a:prstGeom>
-          <a:noFill/>
-          <a:extLst>
-            <a:ext uri="{909E8E84-426E-40DD-AFC4-6F175D3DCCD1}">
-              <a14:hiddenFill xmlns:a14="http://schemas.microsoft.com/office/drawing/2010/main">
-                <a:solidFill>
-                  <a:srgbClr val="FFFFFF"/>
-                </a:solidFill>
-              </a14:hiddenFill>
-            </a:ext>
-          </a:extLst>
-        </p:spPr>
-      </p:pic>
-    </p:spTree>
-    <p:extLst>
-      <p:ext uri="{BB962C8B-B14F-4D97-AF65-F5344CB8AC3E}">
-        <p14:creationId xmlns:p14="http://schemas.microsoft.com/office/powerpoint/2010/main" val="3190768411"/>
       </p:ext>
     </p:extLst>
   </p:cSld>
@@ -20427,6 +20433,162 @@
           <p:cNvPr id="2" name="Title 1">
             <a:extLst>
               <a:ext uri="{FF2B5EF4-FFF2-40B4-BE49-F238E27FC236}">
+                <a16:creationId xmlns:a16="http://schemas.microsoft.com/office/drawing/2014/main" id="{DF383B22-1FBF-1545-9CB1-7A87EEC6DF68}"/>
+              </a:ext>
+            </a:extLst>
+          </p:cNvPr>
+          <p:cNvSpPr>
+            <a:spLocks noGrp="1"/>
+          </p:cNvSpPr>
+          <p:nvPr>
+            <p:ph type="title"/>
+          </p:nvPr>
+        </p:nvSpPr>
+        <p:spPr/>
+        <p:txBody>
+          <a:bodyPr/>
+          <a:lstStyle/>
+          <a:p>
+            <a:r>
+              <a:rPr lang="en-US" dirty="0"/>
+              <a:t>Structs and functions</a:t>
+            </a:r>
+          </a:p>
+        </p:txBody>
+      </p:sp>
+      <p:sp>
+        <p:nvSpPr>
+          <p:cNvPr id="3" name="Text Placeholder 2">
+            <a:extLst>
+              <a:ext uri="{FF2B5EF4-FFF2-40B4-BE49-F238E27FC236}">
+                <a16:creationId xmlns:a16="http://schemas.microsoft.com/office/drawing/2014/main" id="{6726EF7F-6539-C844-A3A1-167916391BB1}"/>
+              </a:ext>
+            </a:extLst>
+          </p:cNvPr>
+          <p:cNvSpPr>
+            <a:spLocks noGrp="1"/>
+          </p:cNvSpPr>
+          <p:nvPr>
+            <p:ph type="body" idx="1"/>
+          </p:nvPr>
+        </p:nvSpPr>
+        <p:spPr/>
+        <p:txBody>
+          <a:bodyPr/>
+          <a:lstStyle/>
+          <a:p>
+            <a:r>
+              <a:rPr lang="en-US" dirty="0"/>
+              <a:t>So as you can see- we altered the function method and we are pointing back at our struct as the </a:t>
+            </a:r>
+            <a:r>
+              <a:rPr lang="en-US" b="1" dirty="0"/>
+              <a:t>receiver</a:t>
+            </a:r>
+            <a:r>
+              <a:rPr lang="en-US" dirty="0"/>
+              <a:t> of the output of the function. </a:t>
+            </a:r>
+          </a:p>
+          <a:p>
+            <a:r>
+              <a:rPr lang="en-US" dirty="0"/>
+              <a:t>You then call the function the same way you would normally (in most languages) call a function within the object- with </a:t>
+            </a:r>
+            <a:r>
+              <a:rPr lang="en-US" b="1" dirty="0" err="1"/>
+              <a:t>structName.functionName</a:t>
+            </a:r>
+            <a:r>
+              <a:rPr lang="en-US" b="1" dirty="0"/>
+              <a:t>()</a:t>
+            </a:r>
+            <a:endParaRPr lang="en-US" dirty="0"/>
+          </a:p>
+        </p:txBody>
+      </p:sp>
+      <p:pic>
+        <p:nvPicPr>
+          <p:cNvPr id="10242" name="Picture 2" descr="Image result for golang gopher">
+            <a:extLst>
+              <a:ext uri="{FF2B5EF4-FFF2-40B4-BE49-F238E27FC236}">
+                <a16:creationId xmlns:a16="http://schemas.microsoft.com/office/drawing/2014/main" id="{C26AFA25-03D2-7644-9D07-F355C0EE7B79}"/>
+              </a:ext>
+            </a:extLst>
+          </p:cNvPr>
+          <p:cNvPicPr>
+            <a:picLocks noChangeAspect="1" noChangeArrowheads="1"/>
+          </p:cNvPicPr>
+          <p:nvPr/>
+        </p:nvPicPr>
+        <p:blipFill>
+          <a:blip r:embed="rId2">
+            <a:extLst>
+              <a:ext uri="{28A0092B-C50C-407E-A947-70E740481C1C}">
+                <a14:useLocalDpi xmlns:a14="http://schemas.microsoft.com/office/drawing/2010/main" val="0"/>
+              </a:ext>
+            </a:extLst>
+          </a:blip>
+          <a:srcRect/>
+          <a:stretch>
+            <a:fillRect/>
+          </a:stretch>
+        </p:blipFill>
+        <p:spPr bwMode="auto">
+          <a:xfrm>
+            <a:off x="2560229" y="4267199"/>
+            <a:ext cx="3797300" cy="2133600"/>
+          </a:xfrm>
+          <a:prstGeom prst="rect">
+            <a:avLst/>
+          </a:prstGeom>
+          <a:noFill/>
+          <a:extLst>
+            <a:ext uri="{909E8E84-426E-40DD-AFC4-6F175D3DCCD1}">
+              <a14:hiddenFill xmlns:a14="http://schemas.microsoft.com/office/drawing/2010/main">
+                <a:solidFill>
+                  <a:srgbClr val="FFFFFF"/>
+                </a:solidFill>
+              </a14:hiddenFill>
+            </a:ext>
+          </a:extLst>
+        </p:spPr>
+      </p:pic>
+    </p:spTree>
+    <p:extLst>
+      <p:ext uri="{BB962C8B-B14F-4D97-AF65-F5344CB8AC3E}">
+        <p14:creationId xmlns:p14="http://schemas.microsoft.com/office/powerpoint/2010/main" val="3190768411"/>
+      </p:ext>
+    </p:extLst>
+  </p:cSld>
+  <p:clrMapOvr>
+    <a:masterClrMapping/>
+  </p:clrMapOvr>
+</p:sld>
+</file>
+
+<file path=ppt/slides/slide51.xml><?xml version="1.0" encoding="utf-8"?>
+<p:sld xmlns:a="http://schemas.openxmlformats.org/drawingml/2006/main" xmlns:r="http://schemas.openxmlformats.org/officeDocument/2006/relationships" xmlns:p="http://schemas.openxmlformats.org/presentationml/2006/main">
+  <p:cSld>
+    <p:spTree>
+      <p:nvGrpSpPr>
+        <p:cNvPr id="1" name=""/>
+        <p:cNvGrpSpPr/>
+        <p:nvPr/>
+      </p:nvGrpSpPr>
+      <p:grpSpPr>
+        <a:xfrm>
+          <a:off x="0" y="0"/>
+          <a:ext cx="0" cy="0"/>
+          <a:chOff x="0" y="0"/>
+          <a:chExt cx="0" cy="0"/>
+        </a:xfrm>
+      </p:grpSpPr>
+      <p:sp>
+        <p:nvSpPr>
+          <p:cNvPr id="2" name="Title 1">
+            <a:extLst>
+              <a:ext uri="{FF2B5EF4-FFF2-40B4-BE49-F238E27FC236}">
                 <a16:creationId xmlns:a16="http://schemas.microsoft.com/office/drawing/2014/main" id="{2F6A0346-CF4A-B843-883D-FFB45B50FD75}"/>
               </a:ext>
             </a:extLst>
@@ -20582,7 +20744,7 @@
 </p:sld>
 </file>
 
-<file path=ppt/slides/slide51.xml><?xml version="1.0" encoding="utf-8"?>
+<file path=ppt/slides/slide52.xml><?xml version="1.0" encoding="utf-8"?>
 <p:sld xmlns:a="http://schemas.openxmlformats.org/drawingml/2006/main" xmlns:r="http://schemas.openxmlformats.org/officeDocument/2006/relationships" xmlns:p="http://schemas.openxmlformats.org/presentationml/2006/main">
   <p:cSld>
     <p:spTree>
@@ -20821,7 +20983,7 @@
 </p:sld>
 </file>
 
-<file path=ppt/slides/slide52.xml><?xml version="1.0" encoding="utf-8"?>
+<file path=ppt/slides/slide53.xml><?xml version="1.0" encoding="utf-8"?>
 <p:sld xmlns:a="http://schemas.openxmlformats.org/drawingml/2006/main" xmlns:r="http://schemas.openxmlformats.org/officeDocument/2006/relationships" xmlns:p="http://schemas.openxmlformats.org/presentationml/2006/main">
   <p:cSld>
     <p:spTree>
@@ -20987,7 +21149,7 @@
 </p:sld>
 </file>
 
-<file path=ppt/slides/slide53.xml><?xml version="1.0" encoding="utf-8"?>
+<file path=ppt/slides/slide54.xml><?xml version="1.0" encoding="utf-8"?>
 <p:sld xmlns:a="http://schemas.openxmlformats.org/drawingml/2006/main" xmlns:r="http://schemas.openxmlformats.org/officeDocument/2006/relationships" xmlns:p="http://schemas.openxmlformats.org/presentationml/2006/main">
   <p:cSld>
     <p:spTree>
@@ -21145,7 +21307,7 @@
 </p:sld>
 </file>
 
-<file path=ppt/slides/slide54.xml><?xml version="1.0" encoding="utf-8"?>
+<file path=ppt/slides/slide55.xml><?xml version="1.0" encoding="utf-8"?>
 <p:sld xmlns:a="http://schemas.openxmlformats.org/drawingml/2006/main" xmlns:r="http://schemas.openxmlformats.org/officeDocument/2006/relationships" xmlns:p="http://schemas.openxmlformats.org/presentationml/2006/main">
   <p:cSld>
     <p:spTree>
@@ -21300,7 +21462,7 @@
 </p:sld>
 </file>
 
-<file path=ppt/slides/slide55.xml><?xml version="1.0" encoding="utf-8"?>
+<file path=ppt/slides/slide56.xml><?xml version="1.0" encoding="utf-8"?>
 <p:sld xmlns:a="http://schemas.openxmlformats.org/drawingml/2006/main" xmlns:r="http://schemas.openxmlformats.org/officeDocument/2006/relationships" xmlns:p="http://schemas.openxmlformats.org/presentationml/2006/main">
   <p:cSld>
     <p:spTree>
@@ -21455,7 +21617,7 @@
 </p:sld>
 </file>
 
-<file path=ppt/slides/slide56.xml><?xml version="1.0" encoding="utf-8"?>
+<file path=ppt/slides/slide57.xml><?xml version="1.0" encoding="utf-8"?>
 <p:sld xmlns:a="http://schemas.openxmlformats.org/drawingml/2006/main" xmlns:r="http://schemas.openxmlformats.org/officeDocument/2006/relationships" xmlns:p="http://schemas.openxmlformats.org/presentationml/2006/main">
   <p:cSld>
     <p:spTree>
@@ -21602,7 +21764,7 @@
 </p:sld>
 </file>
 
-<file path=ppt/slides/slide57.xml><?xml version="1.0" encoding="utf-8"?>
+<file path=ppt/slides/slide58.xml><?xml version="1.0" encoding="utf-8"?>
 <p:sld xmlns:a="http://schemas.openxmlformats.org/drawingml/2006/main" xmlns:r="http://schemas.openxmlformats.org/officeDocument/2006/relationships" xmlns:p="http://schemas.openxmlformats.org/presentationml/2006/main">
   <p:cSld>
     <p:spTree>
